--- a/计算机网络和因特网.pptx
+++ b/计算机网络和因特网.pptx
@@ -5,7 +5,7 @@
     <p:sldMasterId id="2147483648" r:id="rId1"/>
   </p:sldMasterIdLst>
   <p:notesMasterIdLst>
-    <p:notesMasterId r:id="rId11"/>
+    <p:notesMasterId r:id="rId12"/>
   </p:notesMasterIdLst>
   <p:sldIdLst>
     <p:sldId id="256" r:id="rId2"/>
@@ -17,6 +17,7 @@
     <p:sldId id="262" r:id="rId8"/>
     <p:sldId id="263" r:id="rId9"/>
     <p:sldId id="264" r:id="rId10"/>
+    <p:sldId id="265" r:id="rId11"/>
   </p:sldIdLst>
   <p:sldSz cx="12192000" cy="6858000"/>
   <p:notesSz cx="6858000" cy="9144000"/>
@@ -115,6 +116,14 @@
       </a:defRPr>
     </a:lvl9pPr>
   </p:defaultTextStyle>
+  <p:extLst>
+    <p:ext uri="{EFAFB233-063F-42B5-8137-9DF3F51BA10A}">
+      <p15:sldGuideLst xmlns:p15="http://schemas.microsoft.com/office/powerpoint/2012/main"/>
+    </p:ext>
+    <p:ext uri="{2D200454-40CA-4A62-9FC3-DE9A4176ACB9}">
+      <p15:notesGuideLst xmlns:p15="http://schemas.microsoft.com/office/powerpoint/2012/main"/>
+    </p:ext>
+  </p:extLst>
 </p:presentation>
 </file>
 
@@ -200,7 +209,7 @@
           <a:p>
             <a:fld id="{2EB67A18-87EE-4A95-914E-E3BB7ECA6B3F}" type="datetimeFigureOut">
               <a:rPr lang="zh-CN" altLang="en-US" smtClean="0"/>
-              <a:t>2021/2/19</a:t>
+              <a:t>2021/2/20</a:t>
             </a:fld>
             <a:endParaRPr lang="zh-CN" altLang="en-US"/>
           </a:p>
@@ -950,7 +959,7 @@
           <a:p>
             <a:fld id="{1355D31F-6343-45BE-BF09-235967A8B230}" type="datetimeFigureOut">
               <a:rPr lang="zh-CN" altLang="en-US" smtClean="0"/>
-              <a:t>2021/2/19</a:t>
+              <a:t>2021/2/20</a:t>
             </a:fld>
             <a:endParaRPr lang="zh-CN" altLang="en-US"/>
           </a:p>
@@ -1148,7 +1157,7 @@
           <a:p>
             <a:fld id="{1355D31F-6343-45BE-BF09-235967A8B230}" type="datetimeFigureOut">
               <a:rPr lang="zh-CN" altLang="en-US" smtClean="0"/>
-              <a:t>2021/2/19</a:t>
+              <a:t>2021/2/20</a:t>
             </a:fld>
             <a:endParaRPr lang="zh-CN" altLang="en-US"/>
           </a:p>
@@ -1356,7 +1365,7 @@
           <a:p>
             <a:fld id="{1355D31F-6343-45BE-BF09-235967A8B230}" type="datetimeFigureOut">
               <a:rPr lang="zh-CN" altLang="en-US" smtClean="0"/>
-              <a:t>2021/2/19</a:t>
+              <a:t>2021/2/20</a:t>
             </a:fld>
             <a:endParaRPr lang="zh-CN" altLang="en-US"/>
           </a:p>
@@ -1554,7 +1563,7 @@
           <a:p>
             <a:fld id="{1355D31F-6343-45BE-BF09-235967A8B230}" type="datetimeFigureOut">
               <a:rPr lang="zh-CN" altLang="en-US" smtClean="0"/>
-              <a:t>2021/2/19</a:t>
+              <a:t>2021/2/20</a:t>
             </a:fld>
             <a:endParaRPr lang="zh-CN" altLang="en-US"/>
           </a:p>
@@ -1829,7 +1838,7 @@
           <a:p>
             <a:fld id="{1355D31F-6343-45BE-BF09-235967A8B230}" type="datetimeFigureOut">
               <a:rPr lang="zh-CN" altLang="en-US" smtClean="0"/>
-              <a:t>2021/2/19</a:t>
+              <a:t>2021/2/20</a:t>
             </a:fld>
             <a:endParaRPr lang="zh-CN" altLang="en-US"/>
           </a:p>
@@ -2094,7 +2103,7 @@
           <a:p>
             <a:fld id="{1355D31F-6343-45BE-BF09-235967A8B230}" type="datetimeFigureOut">
               <a:rPr lang="zh-CN" altLang="en-US" smtClean="0"/>
-              <a:t>2021/2/19</a:t>
+              <a:t>2021/2/20</a:t>
             </a:fld>
             <a:endParaRPr lang="zh-CN" altLang="en-US"/>
           </a:p>
@@ -2506,7 +2515,7 @@
           <a:p>
             <a:fld id="{1355D31F-6343-45BE-BF09-235967A8B230}" type="datetimeFigureOut">
               <a:rPr lang="zh-CN" altLang="en-US" smtClean="0"/>
-              <a:t>2021/2/19</a:t>
+              <a:t>2021/2/20</a:t>
             </a:fld>
             <a:endParaRPr lang="zh-CN" altLang="en-US"/>
           </a:p>
@@ -2647,7 +2656,7 @@
           <a:p>
             <a:fld id="{1355D31F-6343-45BE-BF09-235967A8B230}" type="datetimeFigureOut">
               <a:rPr lang="zh-CN" altLang="en-US" smtClean="0"/>
-              <a:t>2021/2/19</a:t>
+              <a:t>2021/2/20</a:t>
             </a:fld>
             <a:endParaRPr lang="zh-CN" altLang="en-US"/>
           </a:p>
@@ -2760,7 +2769,7 @@
           <a:p>
             <a:fld id="{1355D31F-6343-45BE-BF09-235967A8B230}" type="datetimeFigureOut">
               <a:rPr lang="zh-CN" altLang="en-US" smtClean="0"/>
-              <a:t>2021/2/19</a:t>
+              <a:t>2021/2/20</a:t>
             </a:fld>
             <a:endParaRPr lang="zh-CN" altLang="en-US"/>
           </a:p>
@@ -3071,7 +3080,7 @@
           <a:p>
             <a:fld id="{1355D31F-6343-45BE-BF09-235967A8B230}" type="datetimeFigureOut">
               <a:rPr lang="zh-CN" altLang="en-US" smtClean="0"/>
-              <a:t>2021/2/19</a:t>
+              <a:t>2021/2/20</a:t>
             </a:fld>
             <a:endParaRPr lang="zh-CN" altLang="en-US"/>
           </a:p>
@@ -3359,7 +3368,7 @@
           <a:p>
             <a:fld id="{1355D31F-6343-45BE-BF09-235967A8B230}" type="datetimeFigureOut">
               <a:rPr lang="zh-CN" altLang="en-US" smtClean="0"/>
-              <a:t>2021/2/19</a:t>
+              <a:t>2021/2/20</a:t>
             </a:fld>
             <a:endParaRPr lang="zh-CN" altLang="en-US"/>
           </a:p>
@@ -3600,7 +3609,7 @@
           <a:p>
             <a:fld id="{1355D31F-6343-45BE-BF09-235967A8B230}" type="datetimeFigureOut">
               <a:rPr lang="zh-CN" altLang="en-US" smtClean="0"/>
-              <a:t>2021/2/19</a:t>
+              <a:t>2021/2/20</a:t>
             </a:fld>
             <a:endParaRPr lang="zh-CN" altLang="en-US"/>
           </a:p>
@@ -4259,6 +4268,432 @@
     <p:extLst>
       <p:ext uri="{BB962C8B-B14F-4D97-AF65-F5344CB8AC3E}">
         <p14:creationId xmlns:p14="http://schemas.microsoft.com/office/powerpoint/2010/main" val="2291797754"/>
+      </p:ext>
+    </p:extLst>
+  </p:cSld>
+  <p:clrMapOvr>
+    <a:masterClrMapping/>
+  </p:clrMapOvr>
+</p:sld>
+</file>
+
+<file path=ppt/slides/slide10.xml><?xml version="1.0" encoding="utf-8"?>
+<p:sld xmlns:a="http://schemas.openxmlformats.org/drawingml/2006/main" xmlns:r="http://schemas.openxmlformats.org/officeDocument/2006/relationships" xmlns:p="http://schemas.openxmlformats.org/presentationml/2006/main">
+  <p:cSld>
+    <p:spTree>
+      <p:nvGrpSpPr>
+        <p:cNvPr id="1" name=""/>
+        <p:cNvGrpSpPr/>
+        <p:nvPr/>
+      </p:nvGrpSpPr>
+      <p:grpSpPr>
+        <a:xfrm>
+          <a:off x="0" y="0"/>
+          <a:ext cx="0" cy="0"/>
+          <a:chOff x="0" y="0"/>
+          <a:chExt cx="0" cy="0"/>
+        </a:xfrm>
+      </p:grpSpPr>
+      <p:sp>
+        <p:nvSpPr>
+          <p:cNvPr id="2" name="文本框 1">
+            <a:extLst>
+              <a:ext uri="{FF2B5EF4-FFF2-40B4-BE49-F238E27FC236}">
+                <a16:creationId xmlns:a16="http://schemas.microsoft.com/office/drawing/2014/main" id="{1576ED21-897E-4FBA-BF87-05FD57DDB7CB}"/>
+              </a:ext>
+            </a:extLst>
+          </p:cNvPr>
+          <p:cNvSpPr txBox="1"/>
+          <p:nvPr/>
+        </p:nvSpPr>
+        <p:spPr>
+          <a:xfrm>
+            <a:off x="1440873" y="332509"/>
+            <a:ext cx="8672946" cy="769441"/>
+          </a:xfrm>
+          <a:prstGeom prst="rect">
+            <a:avLst/>
+          </a:prstGeom>
+          <a:noFill/>
+        </p:spPr>
+        <p:txBody>
+          <a:bodyPr wrap="square" rtlCol="0">
+            <a:spAutoFit/>
+          </a:bodyPr>
+          <a:lstStyle/>
+          <a:p>
+            <a:pPr algn="ctr"/>
+            <a:r>
+              <a:rPr lang="zh-CN" altLang="en-US" sz="4400" b="1" dirty="0"/>
+              <a:t>网络的网络</a:t>
+            </a:r>
+          </a:p>
+        </p:txBody>
+      </p:sp>
+      <p:sp>
+        <p:nvSpPr>
+          <p:cNvPr id="7" name="文本框 6">
+            <a:extLst>
+              <a:ext uri="{FF2B5EF4-FFF2-40B4-BE49-F238E27FC236}">
+                <a16:creationId xmlns:a16="http://schemas.microsoft.com/office/drawing/2014/main" id="{0785AC3C-C870-4973-855A-057CEC27267E}"/>
+              </a:ext>
+            </a:extLst>
+          </p:cNvPr>
+          <p:cNvSpPr txBox="1"/>
+          <p:nvPr/>
+        </p:nvSpPr>
+        <p:spPr>
+          <a:xfrm>
+            <a:off x="1043709" y="1391714"/>
+            <a:ext cx="7897091" cy="461665"/>
+          </a:xfrm>
+          <a:prstGeom prst="rect">
+            <a:avLst/>
+          </a:prstGeom>
+          <a:noFill/>
+        </p:spPr>
+        <p:txBody>
+          <a:bodyPr wrap="square" rtlCol="0">
+            <a:spAutoFit/>
+          </a:bodyPr>
+          <a:lstStyle/>
+          <a:p>
+            <a:r>
+              <a:rPr lang="zh-CN" altLang="en-US" sz="2400" b="1" dirty="0"/>
+              <a:t>网络结构一：</a:t>
+            </a:r>
+            <a:r>
+              <a:rPr lang="zh-CN" altLang="en-US" sz="2000" dirty="0"/>
+              <a:t>用单一的全球传输</a:t>
+            </a:r>
+            <a:r>
+              <a:rPr lang="en-US" altLang="zh-CN" sz="2000" dirty="0"/>
+              <a:t>ISP</a:t>
+            </a:r>
+            <a:r>
+              <a:rPr lang="zh-CN" altLang="en-US" sz="2000" dirty="0"/>
+              <a:t>互联所有接入</a:t>
+            </a:r>
+            <a:r>
+              <a:rPr lang="en-US" altLang="zh-CN" sz="2000" dirty="0"/>
+              <a:t>ISP</a:t>
+            </a:r>
+            <a:endParaRPr lang="zh-CN" altLang="en-US" sz="2400" b="1" dirty="0"/>
+          </a:p>
+        </p:txBody>
+      </p:sp>
+      <p:sp>
+        <p:nvSpPr>
+          <p:cNvPr id="10" name="文本框 9">
+            <a:extLst>
+              <a:ext uri="{FF2B5EF4-FFF2-40B4-BE49-F238E27FC236}">
+                <a16:creationId xmlns:a16="http://schemas.microsoft.com/office/drawing/2014/main" id="{4D33E8D8-ED8A-463E-B5B5-7F4309A42CB1}"/>
+              </a:ext>
+            </a:extLst>
+          </p:cNvPr>
+          <p:cNvSpPr txBox="1"/>
+          <p:nvPr/>
+        </p:nvSpPr>
+        <p:spPr>
+          <a:xfrm>
+            <a:off x="1043709" y="2258731"/>
+            <a:ext cx="9448800" cy="461665"/>
+          </a:xfrm>
+          <a:prstGeom prst="rect">
+            <a:avLst/>
+          </a:prstGeom>
+          <a:noFill/>
+        </p:spPr>
+        <p:txBody>
+          <a:bodyPr wrap="square" rtlCol="0">
+            <a:spAutoFit/>
+          </a:bodyPr>
+          <a:lstStyle/>
+          <a:p>
+            <a:r>
+              <a:rPr lang="zh-CN" altLang="en-US" sz="2400" b="1" dirty="0"/>
+              <a:t>网络结构二：</a:t>
+            </a:r>
+            <a:r>
+              <a:rPr lang="zh-CN" altLang="en-US" sz="2000" dirty="0"/>
+              <a:t>由数十万个接入</a:t>
+            </a:r>
+            <a:r>
+              <a:rPr lang="en-US" altLang="zh-CN" sz="2000" dirty="0"/>
+              <a:t>ISP</a:t>
+            </a:r>
+            <a:r>
+              <a:rPr lang="zh-CN" altLang="en-US" sz="2000" dirty="0"/>
+              <a:t>和多个全球传输</a:t>
+            </a:r>
+            <a:r>
+              <a:rPr lang="en-US" altLang="zh-CN" sz="2000" dirty="0"/>
+              <a:t>ISP</a:t>
+            </a:r>
+            <a:r>
+              <a:rPr lang="zh-CN" altLang="en-US" sz="2000" dirty="0"/>
+              <a:t>组成</a:t>
+            </a:r>
+            <a:endParaRPr lang="en-US" altLang="zh-CN" sz="2400" dirty="0"/>
+          </a:p>
+        </p:txBody>
+      </p:sp>
+      <p:sp>
+        <p:nvSpPr>
+          <p:cNvPr id="11" name="文本框 10">
+            <a:extLst>
+              <a:ext uri="{FF2B5EF4-FFF2-40B4-BE49-F238E27FC236}">
+                <a16:creationId xmlns:a16="http://schemas.microsoft.com/office/drawing/2014/main" id="{4F195FF9-4ED2-4C87-90E3-55122739677C}"/>
+              </a:ext>
+            </a:extLst>
+          </p:cNvPr>
+          <p:cNvSpPr txBox="1"/>
+          <p:nvPr/>
+        </p:nvSpPr>
+        <p:spPr>
+          <a:xfrm>
+            <a:off x="1043709" y="3125749"/>
+            <a:ext cx="9448800" cy="461665"/>
+          </a:xfrm>
+          <a:prstGeom prst="rect">
+            <a:avLst/>
+          </a:prstGeom>
+          <a:noFill/>
+        </p:spPr>
+        <p:txBody>
+          <a:bodyPr wrap="square" rtlCol="0">
+            <a:spAutoFit/>
+          </a:bodyPr>
+          <a:lstStyle/>
+          <a:p>
+            <a:r>
+              <a:rPr lang="zh-CN" altLang="en-US" sz="2400" b="1" dirty="0"/>
+              <a:t>网络结构三：</a:t>
+            </a:r>
+            <a:r>
+              <a:rPr lang="zh-CN" altLang="en-US" sz="2000" dirty="0"/>
+              <a:t>多层</a:t>
+            </a:r>
+            <a:r>
+              <a:rPr lang="en-US" altLang="zh-CN" sz="2000" dirty="0"/>
+              <a:t>ISP</a:t>
+            </a:r>
+            <a:r>
+              <a:rPr lang="zh-CN" altLang="en-US" sz="2000" dirty="0"/>
+              <a:t>等级结构</a:t>
+            </a:r>
+            <a:r>
+              <a:rPr lang="en-US" altLang="zh-CN" sz="2000" dirty="0"/>
+              <a:t>(</a:t>
+            </a:r>
+            <a:r>
+              <a:rPr lang="zh-CN" altLang="en-US" sz="2000" dirty="0"/>
+              <a:t>例如：区域</a:t>
+            </a:r>
+            <a:r>
+              <a:rPr lang="en-US" altLang="zh-CN" sz="2000" dirty="0"/>
+              <a:t>ISP</a:t>
+            </a:r>
+            <a:r>
+              <a:rPr lang="zh-CN" altLang="en-US" sz="2000" dirty="0"/>
+              <a:t>，省级</a:t>
+            </a:r>
+            <a:r>
+              <a:rPr lang="en-US" altLang="zh-CN" sz="2000" dirty="0"/>
+              <a:t>ISP</a:t>
+            </a:r>
+            <a:r>
+              <a:rPr lang="zh-CN" altLang="en-US" sz="2000" dirty="0"/>
+              <a:t>，国家级</a:t>
+            </a:r>
+            <a:r>
+              <a:rPr lang="en-US" altLang="zh-CN" sz="2000" dirty="0"/>
+              <a:t>ISP)</a:t>
+            </a:r>
+            <a:endParaRPr lang="en-US" altLang="zh-CN" sz="2400" dirty="0"/>
+          </a:p>
+        </p:txBody>
+      </p:sp>
+      <p:sp>
+        <p:nvSpPr>
+          <p:cNvPr id="13" name="文本框 12">
+            <a:extLst>
+              <a:ext uri="{FF2B5EF4-FFF2-40B4-BE49-F238E27FC236}">
+                <a16:creationId xmlns:a16="http://schemas.microsoft.com/office/drawing/2014/main" id="{028F8499-A320-4EEC-95E2-D149FAB54B69}"/>
+              </a:ext>
+            </a:extLst>
+          </p:cNvPr>
+          <p:cNvSpPr txBox="1"/>
+          <p:nvPr/>
+        </p:nvSpPr>
+        <p:spPr>
+          <a:xfrm>
+            <a:off x="1043709" y="4089730"/>
+            <a:ext cx="9448800" cy="461665"/>
+          </a:xfrm>
+          <a:prstGeom prst="rect">
+            <a:avLst/>
+          </a:prstGeom>
+          <a:noFill/>
+        </p:spPr>
+        <p:txBody>
+          <a:bodyPr wrap="square" rtlCol="0">
+            <a:spAutoFit/>
+          </a:bodyPr>
+          <a:lstStyle/>
+          <a:p>
+            <a:r>
+              <a:rPr lang="zh-CN" altLang="en-US" sz="2400" b="1" dirty="0"/>
+              <a:t>网络结构四：</a:t>
+            </a:r>
+            <a:r>
+              <a:rPr lang="zh-CN" altLang="en-US" sz="2000" dirty="0"/>
+              <a:t>网络结构三</a:t>
+            </a:r>
+            <a:r>
+              <a:rPr lang="en-US" altLang="zh-CN" sz="2000" dirty="0"/>
+              <a:t>+【</a:t>
+            </a:r>
+            <a:r>
+              <a:rPr lang="zh-CN" altLang="en-US" sz="2000" dirty="0"/>
+              <a:t>存在点</a:t>
+            </a:r>
+            <a:r>
+              <a:rPr lang="en-US" altLang="zh-CN" sz="2000" dirty="0"/>
+              <a:t>(pop)+</a:t>
+            </a:r>
+            <a:r>
+              <a:rPr lang="zh-CN" altLang="en-US" sz="2000" dirty="0"/>
+              <a:t>多宿</a:t>
+            </a:r>
+            <a:r>
+              <a:rPr lang="en-US" altLang="zh-CN" sz="2000" dirty="0"/>
+              <a:t>+</a:t>
+            </a:r>
+            <a:r>
+              <a:rPr lang="zh-CN" altLang="en-US" sz="2000" dirty="0"/>
+              <a:t>对等</a:t>
+            </a:r>
+            <a:r>
+              <a:rPr lang="en-US" altLang="zh-CN" sz="2000" dirty="0"/>
+              <a:t>+</a:t>
+            </a:r>
+            <a:r>
+              <a:rPr lang="zh-CN" altLang="en-US" sz="2000" dirty="0"/>
+              <a:t>因特网交换点</a:t>
+            </a:r>
+            <a:r>
+              <a:rPr lang="en-US" altLang="zh-CN" sz="2000" dirty="0"/>
+              <a:t>(IXP)】</a:t>
+            </a:r>
+            <a:endParaRPr lang="en-US" altLang="zh-CN" sz="2400" dirty="0"/>
+          </a:p>
+        </p:txBody>
+      </p:sp>
+      <p:sp>
+        <p:nvSpPr>
+          <p:cNvPr id="14" name="文本框 13">
+            <a:extLst>
+              <a:ext uri="{FF2B5EF4-FFF2-40B4-BE49-F238E27FC236}">
+                <a16:creationId xmlns:a16="http://schemas.microsoft.com/office/drawing/2014/main" id="{751BDAA8-A4AA-40C7-862B-3D4B95110976}"/>
+              </a:ext>
+            </a:extLst>
+          </p:cNvPr>
+          <p:cNvSpPr txBox="1"/>
+          <p:nvPr/>
+        </p:nvSpPr>
+        <p:spPr>
+          <a:xfrm>
+            <a:off x="1052946" y="5119584"/>
+            <a:ext cx="9448800" cy="461665"/>
+          </a:xfrm>
+          <a:prstGeom prst="rect">
+            <a:avLst/>
+          </a:prstGeom>
+          <a:noFill/>
+        </p:spPr>
+        <p:txBody>
+          <a:bodyPr wrap="square" rtlCol="0">
+            <a:spAutoFit/>
+          </a:bodyPr>
+          <a:lstStyle/>
+          <a:p>
+            <a:r>
+              <a:rPr lang="zh-CN" altLang="en-US" sz="2400" b="1" dirty="0"/>
+              <a:t>网络结构五：</a:t>
+            </a:r>
+            <a:r>
+              <a:rPr lang="zh-CN" altLang="en-US" sz="2000" dirty="0"/>
+              <a:t>网络结构四</a:t>
+            </a:r>
+            <a:r>
+              <a:rPr lang="en-US" altLang="zh-CN" sz="2000" dirty="0"/>
+              <a:t>+【</a:t>
+            </a:r>
+            <a:r>
+              <a:rPr lang="zh-CN" altLang="en-US" sz="2000" dirty="0"/>
+              <a:t>内容提供商网络</a:t>
+            </a:r>
+            <a:r>
+              <a:rPr lang="en-US" altLang="zh-CN" sz="2000" dirty="0"/>
+              <a:t>】</a:t>
+            </a:r>
+            <a:r>
+              <a:rPr lang="zh-CN" altLang="en-US" sz="2000" dirty="0"/>
+              <a:t>。它描述了现今的因特网。</a:t>
+            </a:r>
+            <a:endParaRPr lang="en-US" altLang="zh-CN" sz="2400" dirty="0"/>
+          </a:p>
+        </p:txBody>
+      </p:sp>
+      <p:sp>
+        <p:nvSpPr>
+          <p:cNvPr id="15" name="文本框 14">
+            <a:extLst>
+              <a:ext uri="{FF2B5EF4-FFF2-40B4-BE49-F238E27FC236}">
+                <a16:creationId xmlns:a16="http://schemas.microsoft.com/office/drawing/2014/main" id="{CDD283A5-D44F-4EF8-94F4-8F6039F27C94}"/>
+              </a:ext>
+            </a:extLst>
+          </p:cNvPr>
+          <p:cNvSpPr txBox="1"/>
+          <p:nvPr/>
+        </p:nvSpPr>
+        <p:spPr>
+          <a:xfrm>
+            <a:off x="7924800" y="5911273"/>
+            <a:ext cx="3731491" cy="523220"/>
+          </a:xfrm>
+          <a:prstGeom prst="rect">
+            <a:avLst/>
+          </a:prstGeom>
+          <a:noFill/>
+        </p:spPr>
+        <p:txBody>
+          <a:bodyPr wrap="square" rtlCol="0">
+            <a:spAutoFit/>
+          </a:bodyPr>
+          <a:lstStyle/>
+          <a:p>
+            <a:r>
+              <a:rPr lang="zh-CN" altLang="en-US" sz="2000" b="1" dirty="0"/>
+              <a:t>详细位于</a:t>
+            </a:r>
+            <a:r>
+              <a:rPr lang="en-US" altLang="zh-CN" sz="2800" b="1" dirty="0"/>
+              <a:t>P</a:t>
+            </a:r>
+            <a:r>
+              <a:rPr lang="en-US" altLang="zh-CN" dirty="0"/>
+              <a:t>22</a:t>
+            </a:r>
+            <a:endParaRPr lang="zh-CN" altLang="en-US" sz="2800" dirty="0"/>
+          </a:p>
+        </p:txBody>
+      </p:sp>
+    </p:spTree>
+    <p:extLst>
+      <p:ext uri="{BB962C8B-B14F-4D97-AF65-F5344CB8AC3E}">
+        <p14:creationId xmlns:p14="http://schemas.microsoft.com/office/powerpoint/2010/main" val="1666192743"/>
       </p:ext>
     </p:extLst>
   </p:cSld>

--- a/计算机网络和因特网.pptx
+++ b/计算机网络和因特网.pptx
@@ -5,7 +5,7 @@
     <p:sldMasterId id="2147483648" r:id="rId1"/>
   </p:sldMasterIdLst>
   <p:notesMasterIdLst>
-    <p:notesMasterId r:id="rId12"/>
+    <p:notesMasterId r:id="rId14"/>
   </p:notesMasterIdLst>
   <p:sldIdLst>
     <p:sldId id="256" r:id="rId2"/>
@@ -18,6 +18,8 @@
     <p:sldId id="263" r:id="rId9"/>
     <p:sldId id="264" r:id="rId10"/>
     <p:sldId id="265" r:id="rId11"/>
+    <p:sldId id="266" r:id="rId12"/>
+    <p:sldId id="267" r:id="rId13"/>
   </p:sldIdLst>
   <p:sldSz cx="12192000" cy="6858000"/>
   <p:notesSz cx="6858000" cy="9144000"/>
@@ -209,7 +211,7 @@
           <a:p>
             <a:fld id="{2EB67A18-87EE-4A95-914E-E3BB7ECA6B3F}" type="datetimeFigureOut">
               <a:rPr lang="zh-CN" altLang="en-US" smtClean="0"/>
-              <a:t>2021/2/20</a:t>
+              <a:t>2021/2/21</a:t>
             </a:fld>
             <a:endParaRPr lang="zh-CN" altLang="en-US"/>
           </a:p>
@@ -959,7 +961,7 @@
           <a:p>
             <a:fld id="{1355D31F-6343-45BE-BF09-235967A8B230}" type="datetimeFigureOut">
               <a:rPr lang="zh-CN" altLang="en-US" smtClean="0"/>
-              <a:t>2021/2/20</a:t>
+              <a:t>2021/2/21</a:t>
             </a:fld>
             <a:endParaRPr lang="zh-CN" altLang="en-US"/>
           </a:p>
@@ -1157,7 +1159,7 @@
           <a:p>
             <a:fld id="{1355D31F-6343-45BE-BF09-235967A8B230}" type="datetimeFigureOut">
               <a:rPr lang="zh-CN" altLang="en-US" smtClean="0"/>
-              <a:t>2021/2/20</a:t>
+              <a:t>2021/2/21</a:t>
             </a:fld>
             <a:endParaRPr lang="zh-CN" altLang="en-US"/>
           </a:p>
@@ -1365,7 +1367,7 @@
           <a:p>
             <a:fld id="{1355D31F-6343-45BE-BF09-235967A8B230}" type="datetimeFigureOut">
               <a:rPr lang="zh-CN" altLang="en-US" smtClean="0"/>
-              <a:t>2021/2/20</a:t>
+              <a:t>2021/2/21</a:t>
             </a:fld>
             <a:endParaRPr lang="zh-CN" altLang="en-US"/>
           </a:p>
@@ -1563,7 +1565,7 @@
           <a:p>
             <a:fld id="{1355D31F-6343-45BE-BF09-235967A8B230}" type="datetimeFigureOut">
               <a:rPr lang="zh-CN" altLang="en-US" smtClean="0"/>
-              <a:t>2021/2/20</a:t>
+              <a:t>2021/2/21</a:t>
             </a:fld>
             <a:endParaRPr lang="zh-CN" altLang="en-US"/>
           </a:p>
@@ -1838,7 +1840,7 @@
           <a:p>
             <a:fld id="{1355D31F-6343-45BE-BF09-235967A8B230}" type="datetimeFigureOut">
               <a:rPr lang="zh-CN" altLang="en-US" smtClean="0"/>
-              <a:t>2021/2/20</a:t>
+              <a:t>2021/2/21</a:t>
             </a:fld>
             <a:endParaRPr lang="zh-CN" altLang="en-US"/>
           </a:p>
@@ -2103,7 +2105,7 @@
           <a:p>
             <a:fld id="{1355D31F-6343-45BE-BF09-235967A8B230}" type="datetimeFigureOut">
               <a:rPr lang="zh-CN" altLang="en-US" smtClean="0"/>
-              <a:t>2021/2/20</a:t>
+              <a:t>2021/2/21</a:t>
             </a:fld>
             <a:endParaRPr lang="zh-CN" altLang="en-US"/>
           </a:p>
@@ -2515,7 +2517,7 @@
           <a:p>
             <a:fld id="{1355D31F-6343-45BE-BF09-235967A8B230}" type="datetimeFigureOut">
               <a:rPr lang="zh-CN" altLang="en-US" smtClean="0"/>
-              <a:t>2021/2/20</a:t>
+              <a:t>2021/2/21</a:t>
             </a:fld>
             <a:endParaRPr lang="zh-CN" altLang="en-US"/>
           </a:p>
@@ -2656,7 +2658,7 @@
           <a:p>
             <a:fld id="{1355D31F-6343-45BE-BF09-235967A8B230}" type="datetimeFigureOut">
               <a:rPr lang="zh-CN" altLang="en-US" smtClean="0"/>
-              <a:t>2021/2/20</a:t>
+              <a:t>2021/2/21</a:t>
             </a:fld>
             <a:endParaRPr lang="zh-CN" altLang="en-US"/>
           </a:p>
@@ -2769,7 +2771,7 @@
           <a:p>
             <a:fld id="{1355D31F-6343-45BE-BF09-235967A8B230}" type="datetimeFigureOut">
               <a:rPr lang="zh-CN" altLang="en-US" smtClean="0"/>
-              <a:t>2021/2/20</a:t>
+              <a:t>2021/2/21</a:t>
             </a:fld>
             <a:endParaRPr lang="zh-CN" altLang="en-US"/>
           </a:p>
@@ -3080,7 +3082,7 @@
           <a:p>
             <a:fld id="{1355D31F-6343-45BE-BF09-235967A8B230}" type="datetimeFigureOut">
               <a:rPr lang="zh-CN" altLang="en-US" smtClean="0"/>
-              <a:t>2021/2/20</a:t>
+              <a:t>2021/2/21</a:t>
             </a:fld>
             <a:endParaRPr lang="zh-CN" altLang="en-US"/>
           </a:p>
@@ -3368,7 +3370,7 @@
           <a:p>
             <a:fld id="{1355D31F-6343-45BE-BF09-235967A8B230}" type="datetimeFigureOut">
               <a:rPr lang="zh-CN" altLang="en-US" smtClean="0"/>
-              <a:t>2021/2/20</a:t>
+              <a:t>2021/2/21</a:t>
             </a:fld>
             <a:endParaRPr lang="zh-CN" altLang="en-US"/>
           </a:p>
@@ -3609,7 +3611,7 @@
           <a:p>
             <a:fld id="{1355D31F-6343-45BE-BF09-235967A8B230}" type="datetimeFigureOut">
               <a:rPr lang="zh-CN" altLang="en-US" smtClean="0"/>
-              <a:t>2021/2/20</a:t>
+              <a:t>2021/2/21</a:t>
             </a:fld>
             <a:endParaRPr lang="zh-CN" altLang="en-US"/>
           </a:p>
@@ -4660,8 +4662,8 @@
         </p:nvSpPr>
         <p:spPr>
           <a:xfrm>
-            <a:off x="7924800" y="5911273"/>
-            <a:ext cx="3731491" cy="523220"/>
+            <a:off x="8460509" y="5694214"/>
+            <a:ext cx="3731491" cy="584775"/>
           </a:xfrm>
           <a:prstGeom prst="rect">
             <a:avLst/>
@@ -4675,18 +4677,18 @@
           <a:lstStyle/>
           <a:p>
             <a:r>
-              <a:rPr lang="zh-CN" altLang="en-US" sz="2000" b="1" dirty="0"/>
-              <a:t>详细位于</a:t>
-            </a:r>
-            <a:r>
-              <a:rPr lang="en-US" altLang="zh-CN" sz="2800" b="1" dirty="0"/>
+              <a:rPr lang="zh-CN" altLang="en-US" sz="2000" dirty="0"/>
+              <a:t>详细见</a:t>
+            </a:r>
+            <a:r>
+              <a:rPr lang="en-US" altLang="zh-CN" sz="3200" b="1" dirty="0"/>
               <a:t>P</a:t>
             </a:r>
             <a:r>
-              <a:rPr lang="en-US" altLang="zh-CN" dirty="0"/>
+              <a:rPr lang="en-US" altLang="zh-CN" sz="2000" dirty="0"/>
               <a:t>22</a:t>
             </a:r>
-            <a:endParaRPr lang="zh-CN" altLang="en-US" sz="2800" dirty="0"/>
+            <a:endParaRPr lang="zh-CN" altLang="en-US" sz="3200" dirty="0"/>
           </a:p>
         </p:txBody>
       </p:sp>
@@ -4694,6 +4696,648 @@
     <p:extLst>
       <p:ext uri="{BB962C8B-B14F-4D97-AF65-F5344CB8AC3E}">
         <p14:creationId xmlns:p14="http://schemas.microsoft.com/office/powerpoint/2010/main" val="1666192743"/>
+      </p:ext>
+    </p:extLst>
+  </p:cSld>
+  <p:clrMapOvr>
+    <a:masterClrMapping/>
+  </p:clrMapOvr>
+</p:sld>
+</file>
+
+<file path=ppt/slides/slide11.xml><?xml version="1.0" encoding="utf-8"?>
+<p:sld xmlns:a="http://schemas.openxmlformats.org/drawingml/2006/main" xmlns:r="http://schemas.openxmlformats.org/officeDocument/2006/relationships" xmlns:p="http://schemas.openxmlformats.org/presentationml/2006/main">
+  <p:cSld>
+    <p:spTree>
+      <p:nvGrpSpPr>
+        <p:cNvPr id="1" name=""/>
+        <p:cNvGrpSpPr/>
+        <p:nvPr/>
+      </p:nvGrpSpPr>
+      <p:grpSpPr>
+        <a:xfrm>
+          <a:off x="0" y="0"/>
+          <a:ext cx="0" cy="0"/>
+          <a:chOff x="0" y="0"/>
+          <a:chExt cx="0" cy="0"/>
+        </a:xfrm>
+      </p:grpSpPr>
+      <p:sp>
+        <p:nvSpPr>
+          <p:cNvPr id="2" name="文本框 1">
+            <a:extLst>
+              <a:ext uri="{FF2B5EF4-FFF2-40B4-BE49-F238E27FC236}">
+                <a16:creationId xmlns:a16="http://schemas.microsoft.com/office/drawing/2014/main" id="{35EFEBE0-6368-4DB1-8F04-AD2A71FEB3DB}"/>
+              </a:ext>
+            </a:extLst>
+          </p:cNvPr>
+          <p:cNvSpPr txBox="1"/>
+          <p:nvPr/>
+        </p:nvSpPr>
+        <p:spPr>
+          <a:xfrm>
+            <a:off x="1570181" y="517237"/>
+            <a:ext cx="8719127" cy="646331"/>
+          </a:xfrm>
+          <a:prstGeom prst="rect">
+            <a:avLst/>
+          </a:prstGeom>
+          <a:noFill/>
+        </p:spPr>
+        <p:txBody>
+          <a:bodyPr wrap="square" rtlCol="0">
+            <a:spAutoFit/>
+          </a:bodyPr>
+          <a:lstStyle/>
+          <a:p>
+            <a:pPr algn="ctr"/>
+            <a:r>
+              <a:rPr lang="zh-CN" altLang="en-US" sz="3600" b="1" dirty="0"/>
+              <a:t>分组交换网中的是时延、丢包和吞吐量</a:t>
+            </a:r>
+            <a:endParaRPr lang="en-US" altLang="zh-CN" sz="3600" b="1" dirty="0"/>
+          </a:p>
+        </p:txBody>
+      </p:sp>
+      <p:sp>
+        <p:nvSpPr>
+          <p:cNvPr id="3" name="文本框 2">
+            <a:extLst>
+              <a:ext uri="{FF2B5EF4-FFF2-40B4-BE49-F238E27FC236}">
+                <a16:creationId xmlns:a16="http://schemas.microsoft.com/office/drawing/2014/main" id="{D5435A4B-4DB4-4B39-B320-362993F19279}"/>
+              </a:ext>
+            </a:extLst>
+          </p:cNvPr>
+          <p:cNvSpPr txBox="1"/>
+          <p:nvPr/>
+        </p:nvSpPr>
+        <p:spPr>
+          <a:xfrm>
+            <a:off x="785091" y="1376218"/>
+            <a:ext cx="9661236" cy="523220"/>
+          </a:xfrm>
+          <a:prstGeom prst="rect">
+            <a:avLst/>
+          </a:prstGeom>
+          <a:noFill/>
+        </p:spPr>
+        <p:txBody>
+          <a:bodyPr wrap="square" rtlCol="0">
+            <a:spAutoFit/>
+          </a:bodyPr>
+          <a:lstStyle/>
+          <a:p>
+            <a:r>
+              <a:rPr lang="zh-CN" altLang="en-US" sz="2800" b="1" dirty="0"/>
+              <a:t>时延的类型：</a:t>
+            </a:r>
+          </a:p>
+        </p:txBody>
+      </p:sp>
+      <p:sp>
+        <p:nvSpPr>
+          <p:cNvPr id="4" name="文本框 3">
+            <a:extLst>
+              <a:ext uri="{FF2B5EF4-FFF2-40B4-BE49-F238E27FC236}">
+                <a16:creationId xmlns:a16="http://schemas.microsoft.com/office/drawing/2014/main" id="{B58D0299-6FD6-4BA3-9622-313CCAE9CD07}"/>
+              </a:ext>
+            </a:extLst>
+          </p:cNvPr>
+          <p:cNvSpPr txBox="1"/>
+          <p:nvPr/>
+        </p:nvSpPr>
+        <p:spPr>
+          <a:xfrm>
+            <a:off x="1524000" y="1993489"/>
+            <a:ext cx="9910618" cy="923330"/>
+          </a:xfrm>
+          <a:prstGeom prst="rect">
+            <a:avLst/>
+          </a:prstGeom>
+          <a:noFill/>
+        </p:spPr>
+        <p:txBody>
+          <a:bodyPr wrap="square" rtlCol="0">
+            <a:spAutoFit/>
+          </a:bodyPr>
+          <a:lstStyle/>
+          <a:p>
+            <a:r>
+              <a:rPr lang="en-US" altLang="zh-CN" dirty="0"/>
+              <a:t>(1)</a:t>
+            </a:r>
+            <a:r>
+              <a:rPr lang="zh-CN" altLang="en-US" dirty="0"/>
+              <a:t>处理时延</a:t>
+            </a:r>
+            <a:r>
+              <a:rPr lang="en-US" altLang="zh-CN" b="1" dirty="0"/>
+              <a:t>: </a:t>
+            </a:r>
+            <a:r>
+              <a:rPr lang="zh-CN" altLang="en-US" dirty="0"/>
+              <a:t>检查分组首部和决定将该分组导向何处和检查比特级别的错误所需要的时间是处理</a:t>
+            </a:r>
+            <a:endParaRPr lang="en-US" altLang="zh-CN" dirty="0"/>
+          </a:p>
+          <a:p>
+            <a:r>
+              <a:rPr lang="zh-CN" altLang="en-US" dirty="0"/>
+              <a:t> </a:t>
+            </a:r>
+            <a:r>
+              <a:rPr lang="en-US" altLang="zh-CN" dirty="0"/>
+              <a:t>                     </a:t>
+            </a:r>
+            <a:r>
+              <a:rPr lang="zh-CN" altLang="en-US" dirty="0"/>
+              <a:t>延时的一部分</a:t>
+            </a:r>
+            <a:r>
+              <a:rPr lang="en-US" altLang="zh-CN" dirty="0"/>
+              <a:t>,</a:t>
+            </a:r>
+            <a:r>
+              <a:rPr lang="zh-CN" altLang="en-US" dirty="0"/>
+              <a:t>高速路由器的处理时延是微秒甚至更少，一般与</a:t>
+            </a:r>
+            <a:r>
+              <a:rPr lang="zh-CN" altLang="en-US" b="1" dirty="0"/>
+              <a:t>最大吞吐量</a:t>
+            </a:r>
+            <a:r>
+              <a:rPr lang="zh-CN" altLang="en-US" dirty="0"/>
+              <a:t>有重要影</a:t>
+            </a:r>
+            <a:endParaRPr lang="en-US" altLang="zh-CN" dirty="0"/>
+          </a:p>
+          <a:p>
+            <a:r>
+              <a:rPr lang="en-US" altLang="zh-CN" dirty="0"/>
+              <a:t>                       </a:t>
+            </a:r>
+            <a:r>
+              <a:rPr lang="zh-CN" altLang="en-US" dirty="0"/>
+              <a:t>响。</a:t>
+            </a:r>
+          </a:p>
+        </p:txBody>
+      </p:sp>
+      <p:sp>
+        <p:nvSpPr>
+          <p:cNvPr id="5" name="文本框 4">
+            <a:extLst>
+              <a:ext uri="{FF2B5EF4-FFF2-40B4-BE49-F238E27FC236}">
+                <a16:creationId xmlns:a16="http://schemas.microsoft.com/office/drawing/2014/main" id="{E16BBD01-E0F9-41A2-A6CD-C054D45809B9}"/>
+              </a:ext>
+            </a:extLst>
+          </p:cNvPr>
+          <p:cNvSpPr txBox="1"/>
+          <p:nvPr/>
+        </p:nvSpPr>
+        <p:spPr>
+          <a:xfrm>
+            <a:off x="1524000" y="3105834"/>
+            <a:ext cx="10215418" cy="646331"/>
+          </a:xfrm>
+          <a:prstGeom prst="rect">
+            <a:avLst/>
+          </a:prstGeom>
+          <a:noFill/>
+        </p:spPr>
+        <p:txBody>
+          <a:bodyPr wrap="square" rtlCol="0">
+            <a:spAutoFit/>
+          </a:bodyPr>
+          <a:lstStyle/>
+          <a:p>
+            <a:r>
+              <a:rPr lang="en-US" altLang="zh-CN" dirty="0"/>
+              <a:t>(2)</a:t>
+            </a:r>
+            <a:r>
+              <a:rPr lang="zh-CN" altLang="en-US" dirty="0"/>
+              <a:t>排队时延</a:t>
+            </a:r>
+            <a:r>
+              <a:rPr lang="en-US" altLang="zh-CN" b="1" dirty="0"/>
+              <a:t>:</a:t>
+            </a:r>
+            <a:r>
+              <a:rPr lang="zh-CN" altLang="en-US" dirty="0"/>
+              <a:t>当分组在链路上等待传输所要的时长，取决于先期到达的正在排队等待向链路传输的分   </a:t>
+            </a:r>
+            <a:r>
+              <a:rPr lang="en-US" altLang="zh-CN" dirty="0"/>
+              <a:t>  </a:t>
+            </a:r>
+          </a:p>
+          <a:p>
+            <a:r>
+              <a:rPr lang="en-US" altLang="zh-CN" dirty="0"/>
+              <a:t>                     </a:t>
+            </a:r>
+            <a:r>
+              <a:rPr lang="zh-CN" altLang="en-US" dirty="0"/>
+              <a:t>组数量，正常是毫秒或者微秒级。</a:t>
+            </a:r>
+          </a:p>
+        </p:txBody>
+      </p:sp>
+      <p:sp>
+        <p:nvSpPr>
+          <p:cNvPr id="6" name="文本框 5">
+            <a:extLst>
+              <a:ext uri="{FF2B5EF4-FFF2-40B4-BE49-F238E27FC236}">
+                <a16:creationId xmlns:a16="http://schemas.microsoft.com/office/drawing/2014/main" id="{964D7385-D9A2-4A9F-BCC3-C0F9E91BA118}"/>
+              </a:ext>
+            </a:extLst>
+          </p:cNvPr>
+          <p:cNvSpPr txBox="1"/>
+          <p:nvPr/>
+        </p:nvSpPr>
+        <p:spPr>
+          <a:xfrm>
+            <a:off x="1524000" y="3991133"/>
+            <a:ext cx="10215418" cy="646331"/>
+          </a:xfrm>
+          <a:prstGeom prst="rect">
+            <a:avLst/>
+          </a:prstGeom>
+          <a:noFill/>
+        </p:spPr>
+        <p:txBody>
+          <a:bodyPr wrap="square" rtlCol="0">
+            <a:spAutoFit/>
+          </a:bodyPr>
+          <a:lstStyle/>
+          <a:p>
+            <a:r>
+              <a:rPr lang="en-US" altLang="zh-CN" dirty="0"/>
+              <a:t>(3)</a:t>
+            </a:r>
+            <a:r>
+              <a:rPr lang="zh-CN" altLang="en-US" dirty="0"/>
+              <a:t>传输时延</a:t>
+            </a:r>
+            <a:r>
+              <a:rPr lang="en-US" altLang="zh-CN" b="1" dirty="0"/>
+              <a:t>:</a:t>
+            </a:r>
+            <a:r>
+              <a:rPr lang="zh-CN" altLang="en-US" dirty="0"/>
+              <a:t>一般是先到先服务方式</a:t>
+            </a:r>
+            <a:r>
+              <a:rPr lang="en-US" altLang="zh-CN" dirty="0"/>
+              <a:t>(</a:t>
+            </a:r>
+            <a:r>
+              <a:rPr lang="zh-CN" altLang="en-US" dirty="0"/>
+              <a:t>在路由器上推出比特的时长</a:t>
+            </a:r>
+            <a:r>
+              <a:rPr lang="en-US" altLang="zh-CN" dirty="0"/>
+              <a:t>)</a:t>
+            </a:r>
+            <a:r>
+              <a:rPr lang="zh-CN" altLang="en-US" dirty="0"/>
+              <a:t>，</a:t>
+            </a:r>
+            <a:r>
+              <a:rPr lang="zh-CN" altLang="en-US" b="1" dirty="0"/>
+              <a:t>分组长度</a:t>
+            </a:r>
+            <a:r>
+              <a:rPr lang="en-US" altLang="zh-CN" b="1" dirty="0"/>
+              <a:t>(</a:t>
+            </a:r>
+            <a:r>
+              <a:rPr lang="zh-CN" altLang="en-US" b="1" dirty="0"/>
+              <a:t>比特</a:t>
+            </a:r>
+            <a:r>
+              <a:rPr lang="en-US" altLang="zh-CN" b="1" dirty="0"/>
+              <a:t>)</a:t>
+            </a:r>
+            <a:r>
+              <a:rPr lang="zh-CN" altLang="en-US" b="1" dirty="0"/>
+              <a:t>除以传输速率</a:t>
+            </a:r>
+            <a:r>
+              <a:rPr lang="en-US" altLang="zh-CN" b="1" dirty="0"/>
+              <a:t>(b/s)  </a:t>
+            </a:r>
+          </a:p>
+          <a:p>
+            <a:r>
+              <a:rPr lang="en-US" altLang="zh-CN" b="1" dirty="0"/>
+              <a:t>                     </a:t>
+            </a:r>
+            <a:r>
+              <a:rPr lang="zh-CN" altLang="en-US" dirty="0"/>
+              <a:t>毫秒或者微秒级。</a:t>
+            </a:r>
+          </a:p>
+        </p:txBody>
+      </p:sp>
+      <p:sp>
+        <p:nvSpPr>
+          <p:cNvPr id="7" name="文本框 6">
+            <a:extLst>
+              <a:ext uri="{FF2B5EF4-FFF2-40B4-BE49-F238E27FC236}">
+                <a16:creationId xmlns:a16="http://schemas.microsoft.com/office/drawing/2014/main" id="{EFF6FDC6-0307-41A7-90B1-EF9F62597A8E}"/>
+              </a:ext>
+            </a:extLst>
+          </p:cNvPr>
+          <p:cNvSpPr txBox="1"/>
+          <p:nvPr/>
+        </p:nvSpPr>
+        <p:spPr>
+          <a:xfrm>
+            <a:off x="1524000" y="4827689"/>
+            <a:ext cx="10215418" cy="369332"/>
+          </a:xfrm>
+          <a:prstGeom prst="rect">
+            <a:avLst/>
+          </a:prstGeom>
+          <a:noFill/>
+        </p:spPr>
+        <p:txBody>
+          <a:bodyPr wrap="square" rtlCol="0">
+            <a:spAutoFit/>
+          </a:bodyPr>
+          <a:lstStyle/>
+          <a:p>
+            <a:r>
+              <a:rPr lang="en-US" altLang="zh-CN" dirty="0"/>
+              <a:t>(4)</a:t>
+            </a:r>
+            <a:r>
+              <a:rPr lang="zh-CN" altLang="en-US" dirty="0"/>
+              <a:t>传播时延</a:t>
+            </a:r>
+            <a:r>
+              <a:rPr lang="en-US" altLang="zh-CN" b="1" dirty="0"/>
+              <a:t>:</a:t>
+            </a:r>
+            <a:r>
+              <a:rPr lang="zh-CN" altLang="en-US" dirty="0"/>
+              <a:t>在路上的时长，等于</a:t>
+            </a:r>
+            <a:r>
+              <a:rPr lang="zh-CN" altLang="en-US" b="1" dirty="0"/>
+              <a:t>距离除以传播速率</a:t>
+            </a:r>
+            <a:r>
+              <a:rPr lang="en-US" altLang="zh-CN" b="1" dirty="0"/>
+              <a:t>(m/s)</a:t>
+            </a:r>
+            <a:r>
+              <a:rPr lang="zh-CN" altLang="en-US" dirty="0"/>
+              <a:t>，一般毫秒级</a:t>
+            </a:r>
+            <a:endParaRPr lang="zh-CN" altLang="en-US" b="1" dirty="0"/>
+          </a:p>
+        </p:txBody>
+      </p:sp>
+      <p:sp>
+        <p:nvSpPr>
+          <p:cNvPr id="9" name="文本框 8">
+            <a:extLst>
+              <a:ext uri="{FF2B5EF4-FFF2-40B4-BE49-F238E27FC236}">
+                <a16:creationId xmlns:a16="http://schemas.microsoft.com/office/drawing/2014/main" id="{9840ECFE-37AB-4686-98EB-94ECB24E7444}"/>
+              </a:ext>
+            </a:extLst>
+          </p:cNvPr>
+          <p:cNvSpPr txBox="1"/>
+          <p:nvPr/>
+        </p:nvSpPr>
+        <p:spPr>
+          <a:xfrm>
+            <a:off x="2304472" y="5229348"/>
+            <a:ext cx="9559637" cy="646331"/>
+          </a:xfrm>
+          <a:prstGeom prst="rect">
+            <a:avLst/>
+          </a:prstGeom>
+          <a:noFill/>
+        </p:spPr>
+        <p:txBody>
+          <a:bodyPr wrap="square" rtlCol="0">
+            <a:spAutoFit/>
+          </a:bodyPr>
+          <a:lstStyle/>
+          <a:p>
+            <a:r>
+              <a:rPr lang="en-US" altLang="zh-CN" sz="3200" b="1" dirty="0" err="1"/>
+              <a:t>d</a:t>
+            </a:r>
+            <a:r>
+              <a:rPr lang="en-US" altLang="zh-CN" dirty="0" err="1"/>
+              <a:t>nodal</a:t>
+            </a:r>
+            <a:r>
+              <a:rPr lang="en-US" altLang="zh-CN" sz="3600" dirty="0"/>
+              <a:t>=</a:t>
+            </a:r>
+            <a:r>
+              <a:rPr lang="en-US" altLang="zh-CN" sz="3200" b="1" dirty="0" err="1"/>
+              <a:t>d</a:t>
+            </a:r>
+            <a:r>
+              <a:rPr lang="en-US" altLang="zh-CN" dirty="0" err="1"/>
+              <a:t>proc</a:t>
+            </a:r>
+            <a:r>
+              <a:rPr lang="en-US" altLang="zh-CN" sz="3600" dirty="0" err="1"/>
+              <a:t>+</a:t>
+            </a:r>
+            <a:r>
+              <a:rPr lang="en-US" altLang="zh-CN" sz="3200" b="1" dirty="0" err="1"/>
+              <a:t>d</a:t>
+            </a:r>
+            <a:r>
+              <a:rPr lang="en-US" altLang="zh-CN" dirty="0" err="1"/>
+              <a:t>queue</a:t>
+            </a:r>
+            <a:r>
+              <a:rPr lang="en-US" altLang="zh-CN" sz="3200" dirty="0"/>
+              <a:t> + </a:t>
+            </a:r>
+            <a:r>
+              <a:rPr lang="en-US" altLang="zh-CN" sz="3200" b="1" dirty="0" err="1"/>
+              <a:t>d</a:t>
+            </a:r>
+            <a:r>
+              <a:rPr lang="en-US" altLang="zh-CN" dirty="0" err="1"/>
+              <a:t>trans</a:t>
+            </a:r>
+            <a:r>
+              <a:rPr lang="en-US" altLang="zh-CN" dirty="0"/>
+              <a:t> </a:t>
+            </a:r>
+            <a:r>
+              <a:rPr lang="en-US" altLang="zh-CN" sz="3200" dirty="0"/>
+              <a:t>+ </a:t>
+            </a:r>
+            <a:r>
+              <a:rPr lang="en-US" altLang="zh-CN" sz="3200" b="1" dirty="0" err="1"/>
+              <a:t>d</a:t>
+            </a:r>
+            <a:r>
+              <a:rPr lang="en-US" altLang="zh-CN" dirty="0" err="1"/>
+              <a:t>prop</a:t>
+            </a:r>
+            <a:endParaRPr lang="zh-CN" altLang="en-US" sz="3200" dirty="0"/>
+          </a:p>
+        </p:txBody>
+      </p:sp>
+      <p:sp>
+        <p:nvSpPr>
+          <p:cNvPr id="10" name="文本框 9">
+            <a:extLst>
+              <a:ext uri="{FF2B5EF4-FFF2-40B4-BE49-F238E27FC236}">
+                <a16:creationId xmlns:a16="http://schemas.microsoft.com/office/drawing/2014/main" id="{F2B1870C-FEE7-420A-BCDB-0E4EBD2D6D87}"/>
+              </a:ext>
+            </a:extLst>
+          </p:cNvPr>
+          <p:cNvSpPr txBox="1"/>
+          <p:nvPr/>
+        </p:nvSpPr>
+        <p:spPr>
+          <a:xfrm>
+            <a:off x="2304472" y="5809486"/>
+            <a:ext cx="8349673" cy="584775"/>
+          </a:xfrm>
+          <a:prstGeom prst="rect">
+            <a:avLst/>
+          </a:prstGeom>
+          <a:noFill/>
+        </p:spPr>
+        <p:txBody>
+          <a:bodyPr wrap="square" rtlCol="0">
+            <a:spAutoFit/>
+          </a:bodyPr>
+          <a:lstStyle/>
+          <a:p>
+            <a:r>
+              <a:rPr lang="zh-CN" altLang="en-US" dirty="0"/>
+              <a:t>总时延 </a:t>
+            </a:r>
+            <a:r>
+              <a:rPr lang="en-US" altLang="zh-CN" sz="3200" dirty="0"/>
+              <a:t>= </a:t>
+            </a:r>
+            <a:r>
+              <a:rPr lang="zh-CN" altLang="en-US" dirty="0"/>
+              <a:t>处理时延</a:t>
+            </a:r>
+            <a:r>
+              <a:rPr lang="en-US" altLang="zh-CN" sz="2800" dirty="0"/>
+              <a:t>+</a:t>
+            </a:r>
+            <a:r>
+              <a:rPr lang="zh-CN" altLang="en-US" dirty="0"/>
+              <a:t> 排队时延 </a:t>
+            </a:r>
+            <a:r>
+              <a:rPr lang="en-US" altLang="zh-CN" sz="2800" dirty="0"/>
+              <a:t>+</a:t>
+            </a:r>
+            <a:r>
+              <a:rPr lang="zh-CN" altLang="en-US" dirty="0"/>
+              <a:t> 传输时延 </a:t>
+            </a:r>
+            <a:r>
+              <a:rPr lang="en-US" altLang="zh-CN" sz="2800" dirty="0"/>
+              <a:t>+</a:t>
+            </a:r>
+            <a:r>
+              <a:rPr lang="zh-CN" altLang="en-US" dirty="0"/>
+              <a:t>  传播时延</a:t>
+            </a:r>
+          </a:p>
+        </p:txBody>
+      </p:sp>
+      <p:sp>
+        <p:nvSpPr>
+          <p:cNvPr id="12" name="文本框 11">
+            <a:extLst>
+              <a:ext uri="{FF2B5EF4-FFF2-40B4-BE49-F238E27FC236}">
+                <a16:creationId xmlns:a16="http://schemas.microsoft.com/office/drawing/2014/main" id="{FF54541D-50A4-4B31-9448-38E0C09635F1}"/>
+              </a:ext>
+            </a:extLst>
+          </p:cNvPr>
+          <p:cNvSpPr txBox="1"/>
+          <p:nvPr/>
+        </p:nvSpPr>
+        <p:spPr>
+          <a:xfrm>
+            <a:off x="9162473" y="5755988"/>
+            <a:ext cx="3731491" cy="584775"/>
+          </a:xfrm>
+          <a:prstGeom prst="rect">
+            <a:avLst/>
+          </a:prstGeom>
+          <a:noFill/>
+        </p:spPr>
+        <p:txBody>
+          <a:bodyPr wrap="square" rtlCol="0">
+            <a:spAutoFit/>
+          </a:bodyPr>
+          <a:lstStyle/>
+          <a:p>
+            <a:r>
+              <a:rPr lang="zh-CN" altLang="en-US" sz="2000" dirty="0"/>
+              <a:t>详细见</a:t>
+            </a:r>
+            <a:r>
+              <a:rPr lang="en-US" altLang="zh-CN" sz="3200" b="1" dirty="0"/>
+              <a:t>P</a:t>
+            </a:r>
+            <a:r>
+              <a:rPr lang="en-US" altLang="zh-CN" sz="2000" dirty="0"/>
+              <a:t>25</a:t>
+            </a:r>
+            <a:endParaRPr lang="zh-CN" altLang="en-US" sz="3200" dirty="0"/>
+          </a:p>
+        </p:txBody>
+      </p:sp>
+    </p:spTree>
+    <p:extLst>
+      <p:ext uri="{BB962C8B-B14F-4D97-AF65-F5344CB8AC3E}">
+        <p14:creationId xmlns:p14="http://schemas.microsoft.com/office/powerpoint/2010/main" val="3596685095"/>
+      </p:ext>
+    </p:extLst>
+  </p:cSld>
+  <p:clrMapOvr>
+    <a:masterClrMapping/>
+  </p:clrMapOvr>
+</p:sld>
+</file>
+
+<file path=ppt/slides/slide12.xml><?xml version="1.0" encoding="utf-8"?>
+<p:sld xmlns:a="http://schemas.openxmlformats.org/drawingml/2006/main" xmlns:r="http://schemas.openxmlformats.org/officeDocument/2006/relationships" xmlns:p="http://schemas.openxmlformats.org/presentationml/2006/main">
+  <p:cSld>
+    <p:spTree>
+      <p:nvGrpSpPr>
+        <p:cNvPr id="1" name=""/>
+        <p:cNvGrpSpPr/>
+        <p:nvPr/>
+      </p:nvGrpSpPr>
+      <p:grpSpPr>
+        <a:xfrm>
+          <a:off x="0" y="0"/>
+          <a:ext cx="0" cy="0"/>
+          <a:chOff x="0" y="0"/>
+          <a:chExt cx="0" cy="0"/>
+        </a:xfrm>
+      </p:grpSpPr>
+    </p:spTree>
+    <p:extLst>
+      <p:ext uri="{BB962C8B-B14F-4D97-AF65-F5344CB8AC3E}">
+        <p14:creationId xmlns:p14="http://schemas.microsoft.com/office/powerpoint/2010/main" val="1279579864"/>
       </p:ext>
     </p:extLst>
   </p:cSld>
@@ -7181,8 +7825,8 @@
         </p:nvSpPr>
         <p:spPr>
           <a:xfrm>
-            <a:off x="5370944" y="5997421"/>
-            <a:ext cx="6345382" cy="369332"/>
+            <a:off x="5601853" y="5720422"/>
+            <a:ext cx="6345382" cy="584775"/>
           </a:xfrm>
           <a:prstGeom prst="rect">
             <a:avLst/>
@@ -7200,8 +7844,12 @@
               <a:t>分组交换与电路交换的对比见网络或者数</a:t>
             </a:r>
             <a:r>
-              <a:rPr lang="en-US" altLang="zh-CN" dirty="0"/>
-              <a:t>P21</a:t>
+              <a:rPr lang="en-US" altLang="zh-CN" sz="3200" b="1" dirty="0"/>
+              <a:t>P</a:t>
+            </a:r>
+            <a:r>
+              <a:rPr lang="en-US" altLang="zh-CN" sz="2000" dirty="0"/>
+              <a:t>21</a:t>
             </a:r>
             <a:r>
               <a:rPr lang="zh-CN" altLang="en-US" dirty="0"/>

--- a/计算机网络和因特网.pptx
+++ b/计算机网络和因特网.pptx
@@ -5,7 +5,7 @@
     <p:sldMasterId id="2147483648" r:id="rId1"/>
   </p:sldMasterIdLst>
   <p:notesMasterIdLst>
-    <p:notesMasterId r:id="rId14"/>
+    <p:notesMasterId r:id="rId15"/>
   </p:notesMasterIdLst>
   <p:sldIdLst>
     <p:sldId id="256" r:id="rId2"/>
@@ -20,6 +20,7 @@
     <p:sldId id="265" r:id="rId11"/>
     <p:sldId id="266" r:id="rId12"/>
     <p:sldId id="267" r:id="rId13"/>
+    <p:sldId id="268" r:id="rId14"/>
   </p:sldIdLst>
   <p:sldSz cx="12192000" cy="6858000"/>
   <p:notesSz cx="6858000" cy="9144000"/>
@@ -211,7 +212,7 @@
           <a:p>
             <a:fld id="{2EB67A18-87EE-4A95-914E-E3BB7ECA6B3F}" type="datetimeFigureOut">
               <a:rPr lang="zh-CN" altLang="en-US" smtClean="0"/>
-              <a:t>2021/2/21</a:t>
+              <a:t>2021/2/24</a:t>
             </a:fld>
             <a:endParaRPr lang="zh-CN" altLang="en-US"/>
           </a:p>
@@ -961,7 +962,7 @@
           <a:p>
             <a:fld id="{1355D31F-6343-45BE-BF09-235967A8B230}" type="datetimeFigureOut">
               <a:rPr lang="zh-CN" altLang="en-US" smtClean="0"/>
-              <a:t>2021/2/21</a:t>
+              <a:t>2021/2/24</a:t>
             </a:fld>
             <a:endParaRPr lang="zh-CN" altLang="en-US"/>
           </a:p>
@@ -1159,7 +1160,7 @@
           <a:p>
             <a:fld id="{1355D31F-6343-45BE-BF09-235967A8B230}" type="datetimeFigureOut">
               <a:rPr lang="zh-CN" altLang="en-US" smtClean="0"/>
-              <a:t>2021/2/21</a:t>
+              <a:t>2021/2/24</a:t>
             </a:fld>
             <a:endParaRPr lang="zh-CN" altLang="en-US"/>
           </a:p>
@@ -1367,7 +1368,7 @@
           <a:p>
             <a:fld id="{1355D31F-6343-45BE-BF09-235967A8B230}" type="datetimeFigureOut">
               <a:rPr lang="zh-CN" altLang="en-US" smtClean="0"/>
-              <a:t>2021/2/21</a:t>
+              <a:t>2021/2/24</a:t>
             </a:fld>
             <a:endParaRPr lang="zh-CN" altLang="en-US"/>
           </a:p>
@@ -1565,7 +1566,7 @@
           <a:p>
             <a:fld id="{1355D31F-6343-45BE-BF09-235967A8B230}" type="datetimeFigureOut">
               <a:rPr lang="zh-CN" altLang="en-US" smtClean="0"/>
-              <a:t>2021/2/21</a:t>
+              <a:t>2021/2/24</a:t>
             </a:fld>
             <a:endParaRPr lang="zh-CN" altLang="en-US"/>
           </a:p>
@@ -1840,7 +1841,7 @@
           <a:p>
             <a:fld id="{1355D31F-6343-45BE-BF09-235967A8B230}" type="datetimeFigureOut">
               <a:rPr lang="zh-CN" altLang="en-US" smtClean="0"/>
-              <a:t>2021/2/21</a:t>
+              <a:t>2021/2/24</a:t>
             </a:fld>
             <a:endParaRPr lang="zh-CN" altLang="en-US"/>
           </a:p>
@@ -2105,7 +2106,7 @@
           <a:p>
             <a:fld id="{1355D31F-6343-45BE-BF09-235967A8B230}" type="datetimeFigureOut">
               <a:rPr lang="zh-CN" altLang="en-US" smtClean="0"/>
-              <a:t>2021/2/21</a:t>
+              <a:t>2021/2/24</a:t>
             </a:fld>
             <a:endParaRPr lang="zh-CN" altLang="en-US"/>
           </a:p>
@@ -2517,7 +2518,7 @@
           <a:p>
             <a:fld id="{1355D31F-6343-45BE-BF09-235967A8B230}" type="datetimeFigureOut">
               <a:rPr lang="zh-CN" altLang="en-US" smtClean="0"/>
-              <a:t>2021/2/21</a:t>
+              <a:t>2021/2/24</a:t>
             </a:fld>
             <a:endParaRPr lang="zh-CN" altLang="en-US"/>
           </a:p>
@@ -2658,7 +2659,7 @@
           <a:p>
             <a:fld id="{1355D31F-6343-45BE-BF09-235967A8B230}" type="datetimeFigureOut">
               <a:rPr lang="zh-CN" altLang="en-US" smtClean="0"/>
-              <a:t>2021/2/21</a:t>
+              <a:t>2021/2/24</a:t>
             </a:fld>
             <a:endParaRPr lang="zh-CN" altLang="en-US"/>
           </a:p>
@@ -2771,7 +2772,7 @@
           <a:p>
             <a:fld id="{1355D31F-6343-45BE-BF09-235967A8B230}" type="datetimeFigureOut">
               <a:rPr lang="zh-CN" altLang="en-US" smtClean="0"/>
-              <a:t>2021/2/21</a:t>
+              <a:t>2021/2/24</a:t>
             </a:fld>
             <a:endParaRPr lang="zh-CN" altLang="en-US"/>
           </a:p>
@@ -3082,7 +3083,7 @@
           <a:p>
             <a:fld id="{1355D31F-6343-45BE-BF09-235967A8B230}" type="datetimeFigureOut">
               <a:rPr lang="zh-CN" altLang="en-US" smtClean="0"/>
-              <a:t>2021/2/21</a:t>
+              <a:t>2021/2/24</a:t>
             </a:fld>
             <a:endParaRPr lang="zh-CN" altLang="en-US"/>
           </a:p>
@@ -3370,7 +3371,7 @@
           <a:p>
             <a:fld id="{1355D31F-6343-45BE-BF09-235967A8B230}" type="datetimeFigureOut">
               <a:rPr lang="zh-CN" altLang="en-US" smtClean="0"/>
-              <a:t>2021/2/21</a:t>
+              <a:t>2021/2/24</a:t>
             </a:fld>
             <a:endParaRPr lang="zh-CN" altLang="en-US"/>
           </a:p>
@@ -3611,7 +3612,7 @@
           <a:p>
             <a:fld id="{1355D31F-6343-45BE-BF09-235967A8B230}" type="datetimeFigureOut">
               <a:rPr lang="zh-CN" altLang="en-US" smtClean="0"/>
-              <a:t>2021/2/21</a:t>
+              <a:t>2021/2/24</a:t>
             </a:fld>
             <a:endParaRPr lang="zh-CN" altLang="en-US"/>
           </a:p>
@@ -4736,7 +4737,7 @@
         </p:nvSpPr>
         <p:spPr>
           <a:xfrm>
-            <a:off x="1570181" y="517237"/>
+            <a:off x="1935018" y="490919"/>
             <a:ext cx="8719127" cy="646331"/>
           </a:xfrm>
           <a:prstGeom prst="rect">
@@ -5334,10 +5335,518 @@
           <a:chExt cx="0" cy="0"/>
         </a:xfrm>
       </p:grpSpPr>
+      <p:sp>
+        <p:nvSpPr>
+          <p:cNvPr id="2" name="文本框 1">
+            <a:extLst>
+              <a:ext uri="{FF2B5EF4-FFF2-40B4-BE49-F238E27FC236}">
+                <a16:creationId xmlns:a16="http://schemas.microsoft.com/office/drawing/2014/main" id="{C01AFCCA-2ACE-4B98-B8C9-3D997B62A798}"/>
+              </a:ext>
+            </a:extLst>
+          </p:cNvPr>
+          <p:cNvSpPr txBox="1"/>
+          <p:nvPr/>
+        </p:nvSpPr>
+        <p:spPr>
+          <a:xfrm>
+            <a:off x="3629890" y="464642"/>
+            <a:ext cx="6714837" cy="769441"/>
+          </a:xfrm>
+          <a:prstGeom prst="rect">
+            <a:avLst/>
+          </a:prstGeom>
+          <a:noFill/>
+        </p:spPr>
+        <p:txBody>
+          <a:bodyPr wrap="square" rtlCol="0">
+            <a:spAutoFit/>
+          </a:bodyPr>
+          <a:lstStyle/>
+          <a:p>
+            <a:r>
+              <a:rPr lang="zh-CN" altLang="en-US" sz="4400" b="1" dirty="0"/>
+              <a:t>排队时延和丢包</a:t>
+            </a:r>
+          </a:p>
+        </p:txBody>
+      </p:sp>
+      <p:sp>
+        <p:nvSpPr>
+          <p:cNvPr id="3" name="文本框 2">
+            <a:extLst>
+              <a:ext uri="{FF2B5EF4-FFF2-40B4-BE49-F238E27FC236}">
+                <a16:creationId xmlns:a16="http://schemas.microsoft.com/office/drawing/2014/main" id="{DDA2FC44-B36D-4776-9324-15C200F7E109}"/>
+              </a:ext>
+            </a:extLst>
+          </p:cNvPr>
+          <p:cNvSpPr txBox="1"/>
+          <p:nvPr/>
+        </p:nvSpPr>
+        <p:spPr>
+          <a:xfrm>
+            <a:off x="1071418" y="1178093"/>
+            <a:ext cx="9494981" cy="1631216"/>
+          </a:xfrm>
+          <a:prstGeom prst="rect">
+            <a:avLst/>
+          </a:prstGeom>
+          <a:noFill/>
+        </p:spPr>
+        <p:txBody>
+          <a:bodyPr wrap="square" rtlCol="0">
+            <a:spAutoFit/>
+          </a:bodyPr>
+          <a:lstStyle/>
+          <a:p>
+            <a:r>
+              <a:rPr lang="en-US" altLang="zh-CN" sz="2000" dirty="0"/>
+              <a:t>L</a:t>
+            </a:r>
+            <a:r>
+              <a:rPr lang="zh-CN" altLang="en-US" sz="2000" dirty="0"/>
+              <a:t>：一个分组的比特大小</a:t>
+            </a:r>
+            <a:endParaRPr lang="en-US" altLang="zh-CN" sz="2000" dirty="0"/>
+          </a:p>
+          <a:p>
+            <a:r>
+              <a:rPr lang="en-US" altLang="zh-CN" sz="2000" dirty="0"/>
+              <a:t>a</a:t>
+            </a:r>
+            <a:r>
+              <a:rPr lang="zh-CN" altLang="en-US" sz="2000" dirty="0"/>
+              <a:t>：分组到达队列的</a:t>
+            </a:r>
+            <a:r>
+              <a:rPr lang="zh-CN" altLang="en-US" sz="2000" b="1" dirty="0"/>
+              <a:t>平均</a:t>
+            </a:r>
+            <a:r>
+              <a:rPr lang="zh-CN" altLang="en-US" sz="2000" dirty="0"/>
+              <a:t>速度</a:t>
+            </a:r>
+            <a:r>
+              <a:rPr lang="en-US" altLang="zh-CN" sz="2000" dirty="0"/>
+              <a:t>(</a:t>
+            </a:r>
+            <a:r>
+              <a:rPr lang="zh-CN" altLang="en-US" sz="2000" dirty="0"/>
+              <a:t>分组</a:t>
+            </a:r>
+            <a:r>
+              <a:rPr lang="en-US" altLang="zh-CN" sz="2000" dirty="0"/>
+              <a:t>/</a:t>
+            </a:r>
+            <a:r>
+              <a:rPr lang="zh-CN" altLang="en-US" sz="2000" dirty="0"/>
+              <a:t>秒</a:t>
+            </a:r>
+            <a:r>
+              <a:rPr lang="en-US" altLang="zh-CN" sz="2000" dirty="0"/>
+              <a:t>=pkt/s)</a:t>
+            </a:r>
+            <a:r>
+              <a:rPr lang="zh-CN" altLang="en-US" sz="2000" dirty="0"/>
+              <a:t>进入队列实际速度无上限，此处因为 </a:t>
+            </a:r>
+            <a:endParaRPr lang="en-US" altLang="zh-CN" sz="2000" dirty="0"/>
+          </a:p>
+          <a:p>
+            <a:r>
+              <a:rPr lang="en-US" altLang="zh-CN" sz="2000" dirty="0"/>
+              <a:t>    </a:t>
+            </a:r>
+            <a:r>
+              <a:rPr lang="zh-CN" altLang="en-US" sz="2000" dirty="0"/>
+              <a:t>分组进入队列时到达的流量性质不确定，有时无分组到达，有时扎堆到达，这 里  </a:t>
+            </a:r>
+            <a:endParaRPr lang="en-US" altLang="zh-CN" sz="2000" dirty="0"/>
+          </a:p>
+          <a:p>
+            <a:r>
+              <a:rPr lang="en-US" altLang="zh-CN" sz="2000" dirty="0"/>
+              <a:t>    </a:t>
+            </a:r>
+            <a:r>
+              <a:rPr lang="zh-CN" altLang="en-US" sz="2000" dirty="0"/>
+              <a:t>取平均值。</a:t>
+            </a:r>
+            <a:endParaRPr lang="en-US" altLang="zh-CN" sz="2000" dirty="0"/>
+          </a:p>
+          <a:p>
+            <a:r>
+              <a:rPr lang="en-US" altLang="zh-CN" sz="2000" dirty="0"/>
+              <a:t>R</a:t>
+            </a:r>
+            <a:r>
+              <a:rPr lang="zh-CN" altLang="en-US" sz="2000" dirty="0"/>
+              <a:t>：传输速度</a:t>
+            </a:r>
+            <a:r>
+              <a:rPr lang="en-US" altLang="zh-CN" sz="2000" dirty="0"/>
+              <a:t>(</a:t>
+            </a:r>
+            <a:r>
+              <a:rPr lang="zh-CN" altLang="en-US" sz="2000" dirty="0"/>
+              <a:t>队列中推出比特的速率</a:t>
+            </a:r>
+            <a:r>
+              <a:rPr lang="en-US" altLang="zh-CN" sz="2000" dirty="0"/>
+              <a:t>bps=b/s)</a:t>
+            </a:r>
+          </a:p>
+        </p:txBody>
+      </p:sp>
+      <p:sp>
+        <p:nvSpPr>
+          <p:cNvPr id="5" name="文本框 4">
+            <a:extLst>
+              <a:ext uri="{FF2B5EF4-FFF2-40B4-BE49-F238E27FC236}">
+                <a16:creationId xmlns:a16="http://schemas.microsoft.com/office/drawing/2014/main" id="{BB38A3BD-8DB1-4CC8-A7AF-364C87B7BB64}"/>
+              </a:ext>
+            </a:extLst>
+          </p:cNvPr>
+          <p:cNvSpPr txBox="1"/>
+          <p:nvPr/>
+        </p:nvSpPr>
+        <p:spPr>
+          <a:xfrm>
+            <a:off x="1071418" y="2868059"/>
+            <a:ext cx="9938327" cy="461665"/>
+          </a:xfrm>
+          <a:prstGeom prst="rect">
+            <a:avLst/>
+          </a:prstGeom>
+          <a:noFill/>
+        </p:spPr>
+        <p:txBody>
+          <a:bodyPr wrap="square" rtlCol="0">
+            <a:spAutoFit/>
+          </a:bodyPr>
+          <a:lstStyle/>
+          <a:p>
+            <a:r>
+              <a:rPr lang="zh-CN" altLang="en-US" sz="2400" b="1" dirty="0"/>
+              <a:t>流量强度：</a:t>
+            </a:r>
+            <a:r>
+              <a:rPr lang="en-US" altLang="zh-CN" sz="2400" b="1" dirty="0"/>
+              <a:t>La/R(</a:t>
+            </a:r>
+            <a:r>
+              <a:rPr lang="zh-CN" altLang="en-US" sz="2400" b="1" dirty="0"/>
+              <a:t>进</a:t>
+            </a:r>
+            <a:r>
+              <a:rPr lang="en-US" altLang="zh-CN" sz="2400" b="1" dirty="0"/>
+              <a:t>/</a:t>
+            </a:r>
+            <a:r>
+              <a:rPr lang="zh-CN" altLang="en-US" sz="2400" b="1" dirty="0"/>
+              <a:t>出</a:t>
+            </a:r>
+            <a:r>
+              <a:rPr lang="en-US" altLang="zh-CN" sz="2400" b="1" dirty="0"/>
+              <a:t>)</a:t>
+            </a:r>
+            <a:endParaRPr lang="zh-CN" altLang="en-US" sz="2400" b="1" dirty="0"/>
+          </a:p>
+        </p:txBody>
+      </p:sp>
+      <p:sp>
+        <p:nvSpPr>
+          <p:cNvPr id="6" name="文本框 5">
+            <a:extLst>
+              <a:ext uri="{FF2B5EF4-FFF2-40B4-BE49-F238E27FC236}">
+                <a16:creationId xmlns:a16="http://schemas.microsoft.com/office/drawing/2014/main" id="{32F2487A-0A95-4E11-BC5E-37E16C7EC795}"/>
+              </a:ext>
+            </a:extLst>
+          </p:cNvPr>
+          <p:cNvSpPr txBox="1"/>
+          <p:nvPr/>
+        </p:nvSpPr>
+        <p:spPr>
+          <a:xfrm>
+            <a:off x="1847273" y="3436249"/>
+            <a:ext cx="9236363" cy="369332"/>
+          </a:xfrm>
+          <a:prstGeom prst="rect">
+            <a:avLst/>
+          </a:prstGeom>
+          <a:noFill/>
+        </p:spPr>
+        <p:txBody>
+          <a:bodyPr wrap="square" rtlCol="0">
+            <a:spAutoFit/>
+          </a:bodyPr>
+          <a:lstStyle/>
+          <a:p>
+            <a:r>
+              <a:rPr lang="zh-CN" altLang="en-US" dirty="0"/>
+              <a:t>流量工程中的一条金科玉律是：设计系统时流量强度不能大于</a:t>
+            </a:r>
+            <a:r>
+              <a:rPr lang="en-US" altLang="zh-CN" dirty="0"/>
+              <a:t>1</a:t>
+            </a:r>
+            <a:endParaRPr lang="zh-CN" altLang="en-US" dirty="0"/>
+          </a:p>
+        </p:txBody>
+      </p:sp>
+      <p:pic>
+        <p:nvPicPr>
+          <p:cNvPr id="8" name="图片 7">
+            <a:extLst>
+              <a:ext uri="{FF2B5EF4-FFF2-40B4-BE49-F238E27FC236}">
+                <a16:creationId xmlns:a16="http://schemas.microsoft.com/office/drawing/2014/main" id="{39EF9508-A93E-466A-BC48-B9627B51CEBF}"/>
+              </a:ext>
+            </a:extLst>
+          </p:cNvPr>
+          <p:cNvPicPr>
+            <a:picLocks noChangeAspect="1"/>
+          </p:cNvPicPr>
+          <p:nvPr/>
+        </p:nvPicPr>
+        <p:blipFill rotWithShape="1">
+          <a:blip r:embed="rId2">
+            <a:extLst>
+              <a:ext uri="{28A0092B-C50C-407E-A947-70E740481C1C}">
+                <a14:useLocalDpi xmlns:a14="http://schemas.microsoft.com/office/drawing/2010/main" val="0"/>
+              </a:ext>
+            </a:extLst>
+          </a:blip>
+          <a:srcRect l="39350" t="19539" r="19512" b="19539"/>
+          <a:stretch/>
+        </p:blipFill>
+        <p:spPr>
+          <a:xfrm rot="5400000">
+            <a:off x="8688976" y="2241483"/>
+            <a:ext cx="2960377" cy="3288007"/>
+          </a:xfrm>
+          <a:prstGeom prst="rect">
+            <a:avLst/>
+          </a:prstGeom>
+        </p:spPr>
+      </p:pic>
+      <p:sp>
+        <p:nvSpPr>
+          <p:cNvPr id="9" name="文本框 8">
+            <a:extLst>
+              <a:ext uri="{FF2B5EF4-FFF2-40B4-BE49-F238E27FC236}">
+                <a16:creationId xmlns:a16="http://schemas.microsoft.com/office/drawing/2014/main" id="{DA1A7ECA-1625-434E-9F40-6A6017EDEC91}"/>
+              </a:ext>
+            </a:extLst>
+          </p:cNvPr>
+          <p:cNvSpPr txBox="1"/>
+          <p:nvPr/>
+        </p:nvSpPr>
+        <p:spPr>
+          <a:xfrm>
+            <a:off x="8063344" y="5721880"/>
+            <a:ext cx="3879274" cy="369332"/>
+          </a:xfrm>
+          <a:prstGeom prst="rect">
+            <a:avLst/>
+          </a:prstGeom>
+          <a:noFill/>
+        </p:spPr>
+        <p:txBody>
+          <a:bodyPr wrap="square" rtlCol="0">
+            <a:spAutoFit/>
+          </a:bodyPr>
+          <a:lstStyle/>
+          <a:p>
+            <a:r>
+              <a:rPr lang="zh-CN" altLang="en-US" dirty="0"/>
+              <a:t>平均排队时延与流量强度的定性关系</a:t>
+            </a:r>
+          </a:p>
+        </p:txBody>
+      </p:sp>
+      <p:sp>
+        <p:nvSpPr>
+          <p:cNvPr id="10" name="文本框 9">
+            <a:extLst>
+              <a:ext uri="{FF2B5EF4-FFF2-40B4-BE49-F238E27FC236}">
+                <a16:creationId xmlns:a16="http://schemas.microsoft.com/office/drawing/2014/main" id="{7E13B89C-2DBB-400B-A397-651C2F09DBF5}"/>
+              </a:ext>
+            </a:extLst>
+          </p:cNvPr>
+          <p:cNvSpPr txBox="1"/>
+          <p:nvPr/>
+        </p:nvSpPr>
+        <p:spPr>
+          <a:xfrm>
+            <a:off x="1071418" y="3967711"/>
+            <a:ext cx="914400" cy="461665"/>
+          </a:xfrm>
+          <a:prstGeom prst="rect">
+            <a:avLst/>
+          </a:prstGeom>
+          <a:noFill/>
+        </p:spPr>
+        <p:txBody>
+          <a:bodyPr wrap="square" rtlCol="0">
+            <a:spAutoFit/>
+          </a:bodyPr>
+          <a:lstStyle/>
+          <a:p>
+            <a:r>
+              <a:rPr lang="zh-CN" altLang="en-US" sz="2400" b="1" dirty="0"/>
+              <a:t>丢包</a:t>
+            </a:r>
+          </a:p>
+        </p:txBody>
+      </p:sp>
+      <p:sp>
+        <p:nvSpPr>
+          <p:cNvPr id="11" name="文本框 10">
+            <a:extLst>
+              <a:ext uri="{FF2B5EF4-FFF2-40B4-BE49-F238E27FC236}">
+                <a16:creationId xmlns:a16="http://schemas.microsoft.com/office/drawing/2014/main" id="{E135C863-DFEA-4035-8DA3-0E7A3D589668}"/>
+              </a:ext>
+            </a:extLst>
+          </p:cNvPr>
+          <p:cNvSpPr txBox="1"/>
+          <p:nvPr/>
+        </p:nvSpPr>
+        <p:spPr>
+          <a:xfrm>
+            <a:off x="1551708" y="4488512"/>
+            <a:ext cx="6511636" cy="1754326"/>
+          </a:xfrm>
+          <a:prstGeom prst="rect">
+            <a:avLst/>
+          </a:prstGeom>
+          <a:noFill/>
+        </p:spPr>
+        <p:txBody>
+          <a:bodyPr wrap="square" rtlCol="0">
+            <a:spAutoFit/>
+          </a:bodyPr>
+          <a:lstStyle/>
+          <a:p>
+            <a:r>
+              <a:rPr lang="zh-CN" altLang="en-US" dirty="0"/>
+              <a:t>在现实中，一条链路前的队列只有限的容量，尽管排队容量极大地以来于路由器设计和成本。因为该队列容量是有限的，随着流量强度接近</a:t>
+            </a:r>
+            <a:r>
+              <a:rPr lang="en-US" altLang="zh-CN" dirty="0"/>
+              <a:t>1</a:t>
+            </a:r>
+            <a:r>
+              <a:rPr lang="zh-CN" altLang="en-US" dirty="0"/>
+              <a:t>，排队时延并不正正趋向无穷大。相反，到达的分组将发现一个满的队列，由于没有地方储存这个队列，路由器将</a:t>
+            </a:r>
+            <a:r>
+              <a:rPr lang="zh-CN" altLang="en-US" b="1" dirty="0"/>
+              <a:t>丢弃</a:t>
+            </a:r>
+            <a:r>
+              <a:rPr lang="zh-CN" altLang="en-US" dirty="0"/>
+              <a:t>这个分组，及该分组会</a:t>
+            </a:r>
+            <a:r>
+              <a:rPr lang="zh-CN" altLang="en-US" b="1" dirty="0"/>
+              <a:t>丢失</a:t>
+            </a:r>
+            <a:r>
+              <a:rPr lang="zh-CN" altLang="en-US" dirty="0"/>
+              <a:t>。</a:t>
+            </a:r>
+            <a:endParaRPr lang="en-US" altLang="zh-CN" dirty="0"/>
+          </a:p>
+          <a:p>
+            <a:r>
+              <a:rPr lang="zh-CN" altLang="en-US" dirty="0"/>
+              <a:t>实际上，到达的分组或正在排队的分组之一被丢弃        </a:t>
+            </a:r>
+            <a:r>
+              <a:rPr lang="en-US" altLang="zh-CN" dirty="0"/>
+              <a:t>P17</a:t>
+            </a:r>
+            <a:endParaRPr lang="zh-CN" altLang="en-US" dirty="0"/>
+          </a:p>
+        </p:txBody>
+      </p:sp>
+      <p:sp>
+        <p:nvSpPr>
+          <p:cNvPr id="15" name="文本框 14">
+            <a:extLst>
+              <a:ext uri="{FF2B5EF4-FFF2-40B4-BE49-F238E27FC236}">
+                <a16:creationId xmlns:a16="http://schemas.microsoft.com/office/drawing/2014/main" id="{84C0C520-97F6-4368-9A67-2DBB8A9CAC8A}"/>
+              </a:ext>
+            </a:extLst>
+          </p:cNvPr>
+          <p:cNvSpPr txBox="1"/>
+          <p:nvPr/>
+        </p:nvSpPr>
+        <p:spPr>
+          <a:xfrm>
+            <a:off x="9328727" y="6236980"/>
+            <a:ext cx="3731491" cy="584775"/>
+          </a:xfrm>
+          <a:prstGeom prst="rect">
+            <a:avLst/>
+          </a:prstGeom>
+          <a:noFill/>
+        </p:spPr>
+        <p:txBody>
+          <a:bodyPr wrap="square" rtlCol="0">
+            <a:spAutoFit/>
+          </a:bodyPr>
+          <a:lstStyle/>
+          <a:p>
+            <a:r>
+              <a:rPr lang="zh-CN" altLang="en-US" sz="2000" dirty="0"/>
+              <a:t>详细见</a:t>
+            </a:r>
+            <a:r>
+              <a:rPr lang="en-US" altLang="zh-CN" sz="3200" b="1" dirty="0"/>
+              <a:t>P</a:t>
+            </a:r>
+            <a:r>
+              <a:rPr lang="en-US" altLang="zh-CN" sz="2000" dirty="0"/>
+              <a:t>28</a:t>
+            </a:r>
+            <a:endParaRPr lang="zh-CN" altLang="en-US" sz="3200" dirty="0"/>
+          </a:p>
+        </p:txBody>
+      </p:sp>
     </p:spTree>
     <p:extLst>
       <p:ext uri="{BB962C8B-B14F-4D97-AF65-F5344CB8AC3E}">
         <p14:creationId xmlns:p14="http://schemas.microsoft.com/office/powerpoint/2010/main" val="1279579864"/>
+      </p:ext>
+    </p:extLst>
+  </p:cSld>
+  <p:clrMapOvr>
+    <a:masterClrMapping/>
+  </p:clrMapOvr>
+</p:sld>
+</file>
+
+<file path=ppt/slides/slide13.xml><?xml version="1.0" encoding="utf-8"?>
+<p:sld xmlns:a="http://schemas.openxmlformats.org/drawingml/2006/main" xmlns:r="http://schemas.openxmlformats.org/officeDocument/2006/relationships" xmlns:p="http://schemas.openxmlformats.org/presentationml/2006/main">
+  <p:cSld>
+    <p:spTree>
+      <p:nvGrpSpPr>
+        <p:cNvPr id="1" name=""/>
+        <p:cNvGrpSpPr/>
+        <p:nvPr/>
+      </p:nvGrpSpPr>
+      <p:grpSpPr>
+        <a:xfrm>
+          <a:off x="0" y="0"/>
+          <a:ext cx="0" cy="0"/>
+          <a:chOff x="0" y="0"/>
+          <a:chExt cx="0" cy="0"/>
+        </a:xfrm>
+      </p:grpSpPr>
+    </p:spTree>
+    <p:extLst>
+      <p:ext uri="{BB962C8B-B14F-4D97-AF65-F5344CB8AC3E}">
+        <p14:creationId xmlns:p14="http://schemas.microsoft.com/office/powerpoint/2010/main" val="2291351845"/>
       </p:ext>
     </p:extLst>
   </p:cSld>

--- a/计算机网络和因特网.pptx
+++ b/计算机网络和因特网.pptx
@@ -5,7 +5,7 @@
     <p:sldMasterId id="2147483648" r:id="rId1"/>
   </p:sldMasterIdLst>
   <p:notesMasterIdLst>
-    <p:notesMasterId r:id="rId15"/>
+    <p:notesMasterId r:id="rId16"/>
   </p:notesMasterIdLst>
   <p:sldIdLst>
     <p:sldId id="256" r:id="rId2"/>
@@ -21,6 +21,7 @@
     <p:sldId id="266" r:id="rId12"/>
     <p:sldId id="267" r:id="rId13"/>
     <p:sldId id="268" r:id="rId14"/>
+    <p:sldId id="269" r:id="rId15"/>
   </p:sldIdLst>
   <p:sldSz cx="12192000" cy="6858000"/>
   <p:notesSz cx="6858000" cy="9144000"/>
@@ -212,7 +213,7 @@
           <a:p>
             <a:fld id="{2EB67A18-87EE-4A95-914E-E3BB7ECA6B3F}" type="datetimeFigureOut">
               <a:rPr lang="zh-CN" altLang="en-US" smtClean="0"/>
-              <a:t>2021/2/24</a:t>
+              <a:t>2021/2/25</a:t>
             </a:fld>
             <a:endParaRPr lang="zh-CN" altLang="en-US"/>
           </a:p>
@@ -962,7 +963,7 @@
           <a:p>
             <a:fld id="{1355D31F-6343-45BE-BF09-235967A8B230}" type="datetimeFigureOut">
               <a:rPr lang="zh-CN" altLang="en-US" smtClean="0"/>
-              <a:t>2021/2/24</a:t>
+              <a:t>2021/2/25</a:t>
             </a:fld>
             <a:endParaRPr lang="zh-CN" altLang="en-US"/>
           </a:p>
@@ -1160,7 +1161,7 @@
           <a:p>
             <a:fld id="{1355D31F-6343-45BE-BF09-235967A8B230}" type="datetimeFigureOut">
               <a:rPr lang="zh-CN" altLang="en-US" smtClean="0"/>
-              <a:t>2021/2/24</a:t>
+              <a:t>2021/2/25</a:t>
             </a:fld>
             <a:endParaRPr lang="zh-CN" altLang="en-US"/>
           </a:p>
@@ -1368,7 +1369,7 @@
           <a:p>
             <a:fld id="{1355D31F-6343-45BE-BF09-235967A8B230}" type="datetimeFigureOut">
               <a:rPr lang="zh-CN" altLang="en-US" smtClean="0"/>
-              <a:t>2021/2/24</a:t>
+              <a:t>2021/2/25</a:t>
             </a:fld>
             <a:endParaRPr lang="zh-CN" altLang="en-US"/>
           </a:p>
@@ -1566,7 +1567,7 @@
           <a:p>
             <a:fld id="{1355D31F-6343-45BE-BF09-235967A8B230}" type="datetimeFigureOut">
               <a:rPr lang="zh-CN" altLang="en-US" smtClean="0"/>
-              <a:t>2021/2/24</a:t>
+              <a:t>2021/2/25</a:t>
             </a:fld>
             <a:endParaRPr lang="zh-CN" altLang="en-US"/>
           </a:p>
@@ -1841,7 +1842,7 @@
           <a:p>
             <a:fld id="{1355D31F-6343-45BE-BF09-235967A8B230}" type="datetimeFigureOut">
               <a:rPr lang="zh-CN" altLang="en-US" smtClean="0"/>
-              <a:t>2021/2/24</a:t>
+              <a:t>2021/2/25</a:t>
             </a:fld>
             <a:endParaRPr lang="zh-CN" altLang="en-US"/>
           </a:p>
@@ -2106,7 +2107,7 @@
           <a:p>
             <a:fld id="{1355D31F-6343-45BE-BF09-235967A8B230}" type="datetimeFigureOut">
               <a:rPr lang="zh-CN" altLang="en-US" smtClean="0"/>
-              <a:t>2021/2/24</a:t>
+              <a:t>2021/2/25</a:t>
             </a:fld>
             <a:endParaRPr lang="zh-CN" altLang="en-US"/>
           </a:p>
@@ -2518,7 +2519,7 @@
           <a:p>
             <a:fld id="{1355D31F-6343-45BE-BF09-235967A8B230}" type="datetimeFigureOut">
               <a:rPr lang="zh-CN" altLang="en-US" smtClean="0"/>
-              <a:t>2021/2/24</a:t>
+              <a:t>2021/2/25</a:t>
             </a:fld>
             <a:endParaRPr lang="zh-CN" altLang="en-US"/>
           </a:p>
@@ -2659,7 +2660,7 @@
           <a:p>
             <a:fld id="{1355D31F-6343-45BE-BF09-235967A8B230}" type="datetimeFigureOut">
               <a:rPr lang="zh-CN" altLang="en-US" smtClean="0"/>
-              <a:t>2021/2/24</a:t>
+              <a:t>2021/2/25</a:t>
             </a:fld>
             <a:endParaRPr lang="zh-CN" altLang="en-US"/>
           </a:p>
@@ -2772,7 +2773,7 @@
           <a:p>
             <a:fld id="{1355D31F-6343-45BE-BF09-235967A8B230}" type="datetimeFigureOut">
               <a:rPr lang="zh-CN" altLang="en-US" smtClean="0"/>
-              <a:t>2021/2/24</a:t>
+              <a:t>2021/2/25</a:t>
             </a:fld>
             <a:endParaRPr lang="zh-CN" altLang="en-US"/>
           </a:p>
@@ -3083,7 +3084,7 @@
           <a:p>
             <a:fld id="{1355D31F-6343-45BE-BF09-235967A8B230}" type="datetimeFigureOut">
               <a:rPr lang="zh-CN" altLang="en-US" smtClean="0"/>
-              <a:t>2021/2/24</a:t>
+              <a:t>2021/2/25</a:t>
             </a:fld>
             <a:endParaRPr lang="zh-CN" altLang="en-US"/>
           </a:p>
@@ -3371,7 +3372,7 @@
           <a:p>
             <a:fld id="{1355D31F-6343-45BE-BF09-235967A8B230}" type="datetimeFigureOut">
               <a:rPr lang="zh-CN" altLang="en-US" smtClean="0"/>
-              <a:t>2021/2/24</a:t>
+              <a:t>2021/2/25</a:t>
             </a:fld>
             <a:endParaRPr lang="zh-CN" altLang="en-US"/>
           </a:p>
@@ -3612,7 +3613,7 @@
           <a:p>
             <a:fld id="{1355D31F-6343-45BE-BF09-235967A8B230}" type="datetimeFigureOut">
               <a:rPr lang="zh-CN" altLang="en-US" smtClean="0"/>
-              <a:t>2021/2/24</a:t>
+              <a:t>2021/2/25</a:t>
             </a:fld>
             <a:endParaRPr lang="zh-CN" altLang="en-US"/>
           </a:p>
@@ -5843,10 +5844,187 @@
           <a:chExt cx="0" cy="0"/>
         </a:xfrm>
       </p:grpSpPr>
+      <p:sp>
+        <p:nvSpPr>
+          <p:cNvPr id="2" name="文本框 1">
+            <a:extLst>
+              <a:ext uri="{FF2B5EF4-FFF2-40B4-BE49-F238E27FC236}">
+                <a16:creationId xmlns:a16="http://schemas.microsoft.com/office/drawing/2014/main" id="{D18671F8-7B46-4EE3-B978-BDF35D0FEBBB}"/>
+              </a:ext>
+            </a:extLst>
+          </p:cNvPr>
+          <p:cNvSpPr txBox="1"/>
+          <p:nvPr/>
+        </p:nvSpPr>
+        <p:spPr>
+          <a:xfrm>
+            <a:off x="1034473" y="452582"/>
+            <a:ext cx="10123054" cy="584775"/>
+          </a:xfrm>
+          <a:prstGeom prst="rect">
+            <a:avLst/>
+          </a:prstGeom>
+          <a:noFill/>
+        </p:spPr>
+        <p:txBody>
+          <a:bodyPr wrap="square" rtlCol="0">
+            <a:spAutoFit/>
+          </a:bodyPr>
+          <a:lstStyle/>
+          <a:p>
+            <a:pPr algn="ctr"/>
+            <a:r>
+              <a:rPr lang="zh-CN" altLang="en-US" sz="3200" b="1" dirty="0"/>
+              <a:t>端到端的时延</a:t>
+            </a:r>
+          </a:p>
+        </p:txBody>
+      </p:sp>
+      <p:sp>
+        <p:nvSpPr>
+          <p:cNvPr id="3" name="文本框 2">
+            <a:extLst>
+              <a:ext uri="{FF2B5EF4-FFF2-40B4-BE49-F238E27FC236}">
+                <a16:creationId xmlns:a16="http://schemas.microsoft.com/office/drawing/2014/main" id="{48FFF5AD-A4E5-4F3E-80DA-898982FF8D85}"/>
+              </a:ext>
+            </a:extLst>
+          </p:cNvPr>
+          <p:cNvSpPr txBox="1"/>
+          <p:nvPr/>
+        </p:nvSpPr>
+        <p:spPr>
+          <a:xfrm>
+            <a:off x="1283855" y="1585662"/>
+            <a:ext cx="4544291" cy="369332"/>
+          </a:xfrm>
+          <a:prstGeom prst="rect">
+            <a:avLst/>
+          </a:prstGeom>
+          <a:noFill/>
+        </p:spPr>
+        <p:txBody>
+          <a:bodyPr wrap="square" rtlCol="0">
+            <a:spAutoFit/>
+          </a:bodyPr>
+          <a:lstStyle/>
+          <a:p>
+            <a:r>
+              <a:rPr lang="zh-CN" altLang="en-US" dirty="0"/>
+              <a:t>一、</a:t>
+            </a:r>
+            <a:r>
+              <a:rPr lang="en-US" altLang="zh-CN" dirty="0"/>
+              <a:t>Traceroute:</a:t>
+            </a:r>
+            <a:endParaRPr lang="zh-CN" altLang="en-US" dirty="0"/>
+          </a:p>
+        </p:txBody>
+      </p:sp>
+      <p:sp>
+        <p:nvSpPr>
+          <p:cNvPr id="4" name="文本框 3">
+            <a:extLst>
+              <a:ext uri="{FF2B5EF4-FFF2-40B4-BE49-F238E27FC236}">
+                <a16:creationId xmlns:a16="http://schemas.microsoft.com/office/drawing/2014/main" id="{A2BE0F17-080C-420C-A490-8AB0BBCECF74}"/>
+              </a:ext>
+            </a:extLst>
+          </p:cNvPr>
+          <p:cNvSpPr txBox="1"/>
+          <p:nvPr/>
+        </p:nvSpPr>
+        <p:spPr>
+          <a:xfrm>
+            <a:off x="1283855" y="3241964"/>
+            <a:ext cx="4812145" cy="369332"/>
+          </a:xfrm>
+          <a:prstGeom prst="rect">
+            <a:avLst/>
+          </a:prstGeom>
+          <a:noFill/>
+        </p:spPr>
+        <p:txBody>
+          <a:bodyPr wrap="square" rtlCol="0">
+            <a:spAutoFit/>
+          </a:bodyPr>
+          <a:lstStyle/>
+          <a:p>
+            <a:r>
+              <a:rPr lang="zh-CN" altLang="en-US" dirty="0"/>
+              <a:t>二、端系统、应用程序和其他时延</a:t>
+            </a:r>
+          </a:p>
+        </p:txBody>
+      </p:sp>
     </p:spTree>
     <p:extLst>
       <p:ext uri="{BB962C8B-B14F-4D97-AF65-F5344CB8AC3E}">
         <p14:creationId xmlns:p14="http://schemas.microsoft.com/office/powerpoint/2010/main" val="2291351845"/>
+      </p:ext>
+    </p:extLst>
+  </p:cSld>
+  <p:clrMapOvr>
+    <a:masterClrMapping/>
+  </p:clrMapOvr>
+</p:sld>
+</file>
+
+<file path=ppt/slides/slide14.xml><?xml version="1.0" encoding="utf-8"?>
+<p:sld xmlns:a="http://schemas.openxmlformats.org/drawingml/2006/main" xmlns:r="http://schemas.openxmlformats.org/officeDocument/2006/relationships" xmlns:p="http://schemas.openxmlformats.org/presentationml/2006/main">
+  <p:cSld>
+    <p:spTree>
+      <p:nvGrpSpPr>
+        <p:cNvPr id="1" name=""/>
+        <p:cNvGrpSpPr/>
+        <p:nvPr/>
+      </p:nvGrpSpPr>
+      <p:grpSpPr>
+        <a:xfrm>
+          <a:off x="0" y="0"/>
+          <a:ext cx="0" cy="0"/>
+          <a:chOff x="0" y="0"/>
+          <a:chExt cx="0" cy="0"/>
+        </a:xfrm>
+      </p:grpSpPr>
+      <p:sp>
+        <p:nvSpPr>
+          <p:cNvPr id="2" name="文本框 1">
+            <a:extLst>
+              <a:ext uri="{FF2B5EF4-FFF2-40B4-BE49-F238E27FC236}">
+                <a16:creationId xmlns:a16="http://schemas.microsoft.com/office/drawing/2014/main" id="{99D8EE22-1EC7-49C7-A382-E2F3F94018A7}"/>
+              </a:ext>
+            </a:extLst>
+          </p:cNvPr>
+          <p:cNvSpPr txBox="1"/>
+          <p:nvPr/>
+        </p:nvSpPr>
+        <p:spPr>
+          <a:xfrm>
+            <a:off x="2669309" y="600364"/>
+            <a:ext cx="6289963" cy="646331"/>
+          </a:xfrm>
+          <a:prstGeom prst="rect">
+            <a:avLst/>
+          </a:prstGeom>
+          <a:noFill/>
+        </p:spPr>
+        <p:txBody>
+          <a:bodyPr wrap="square" rtlCol="0">
+            <a:spAutoFit/>
+          </a:bodyPr>
+          <a:lstStyle/>
+          <a:p>
+            <a:pPr algn="ctr"/>
+            <a:r>
+              <a:rPr lang="zh-CN" altLang="en-US" sz="3600" b="1" dirty="0"/>
+              <a:t>计算机网络中的吞吐量</a:t>
+            </a:r>
+          </a:p>
+        </p:txBody>
+      </p:sp>
+    </p:spTree>
+    <p:extLst>
+      <p:ext uri="{BB962C8B-B14F-4D97-AF65-F5344CB8AC3E}">
+        <p14:creationId xmlns:p14="http://schemas.microsoft.com/office/powerpoint/2010/main" val="2083964384"/>
       </p:ext>
     </p:extLst>
   </p:cSld>

--- a/计算机网络和因特网.pptx
+++ b/计算机网络和因特网.pptx
@@ -213,7 +213,7 @@
           <a:p>
             <a:fld id="{2EB67A18-87EE-4A95-914E-E3BB7ECA6B3F}" type="datetimeFigureOut">
               <a:rPr lang="zh-CN" altLang="en-US" smtClean="0"/>
-              <a:t>2021/2/25</a:t>
+              <a:t>2021/2/26</a:t>
             </a:fld>
             <a:endParaRPr lang="zh-CN" altLang="en-US"/>
           </a:p>
@@ -963,7 +963,7 @@
           <a:p>
             <a:fld id="{1355D31F-6343-45BE-BF09-235967A8B230}" type="datetimeFigureOut">
               <a:rPr lang="zh-CN" altLang="en-US" smtClean="0"/>
-              <a:t>2021/2/25</a:t>
+              <a:t>2021/2/26</a:t>
             </a:fld>
             <a:endParaRPr lang="zh-CN" altLang="en-US"/>
           </a:p>
@@ -1161,7 +1161,7 @@
           <a:p>
             <a:fld id="{1355D31F-6343-45BE-BF09-235967A8B230}" type="datetimeFigureOut">
               <a:rPr lang="zh-CN" altLang="en-US" smtClean="0"/>
-              <a:t>2021/2/25</a:t>
+              <a:t>2021/2/26</a:t>
             </a:fld>
             <a:endParaRPr lang="zh-CN" altLang="en-US"/>
           </a:p>
@@ -1369,7 +1369,7 @@
           <a:p>
             <a:fld id="{1355D31F-6343-45BE-BF09-235967A8B230}" type="datetimeFigureOut">
               <a:rPr lang="zh-CN" altLang="en-US" smtClean="0"/>
-              <a:t>2021/2/25</a:t>
+              <a:t>2021/2/26</a:t>
             </a:fld>
             <a:endParaRPr lang="zh-CN" altLang="en-US"/>
           </a:p>
@@ -1567,7 +1567,7 @@
           <a:p>
             <a:fld id="{1355D31F-6343-45BE-BF09-235967A8B230}" type="datetimeFigureOut">
               <a:rPr lang="zh-CN" altLang="en-US" smtClean="0"/>
-              <a:t>2021/2/25</a:t>
+              <a:t>2021/2/26</a:t>
             </a:fld>
             <a:endParaRPr lang="zh-CN" altLang="en-US"/>
           </a:p>
@@ -1842,7 +1842,7 @@
           <a:p>
             <a:fld id="{1355D31F-6343-45BE-BF09-235967A8B230}" type="datetimeFigureOut">
               <a:rPr lang="zh-CN" altLang="en-US" smtClean="0"/>
-              <a:t>2021/2/25</a:t>
+              <a:t>2021/2/26</a:t>
             </a:fld>
             <a:endParaRPr lang="zh-CN" altLang="en-US"/>
           </a:p>
@@ -2107,7 +2107,7 @@
           <a:p>
             <a:fld id="{1355D31F-6343-45BE-BF09-235967A8B230}" type="datetimeFigureOut">
               <a:rPr lang="zh-CN" altLang="en-US" smtClean="0"/>
-              <a:t>2021/2/25</a:t>
+              <a:t>2021/2/26</a:t>
             </a:fld>
             <a:endParaRPr lang="zh-CN" altLang="en-US"/>
           </a:p>
@@ -2519,7 +2519,7 @@
           <a:p>
             <a:fld id="{1355D31F-6343-45BE-BF09-235967A8B230}" type="datetimeFigureOut">
               <a:rPr lang="zh-CN" altLang="en-US" smtClean="0"/>
-              <a:t>2021/2/25</a:t>
+              <a:t>2021/2/26</a:t>
             </a:fld>
             <a:endParaRPr lang="zh-CN" altLang="en-US"/>
           </a:p>
@@ -2660,7 +2660,7 @@
           <a:p>
             <a:fld id="{1355D31F-6343-45BE-BF09-235967A8B230}" type="datetimeFigureOut">
               <a:rPr lang="zh-CN" altLang="en-US" smtClean="0"/>
-              <a:t>2021/2/25</a:t>
+              <a:t>2021/2/26</a:t>
             </a:fld>
             <a:endParaRPr lang="zh-CN" altLang="en-US"/>
           </a:p>
@@ -2773,7 +2773,7 @@
           <a:p>
             <a:fld id="{1355D31F-6343-45BE-BF09-235967A8B230}" type="datetimeFigureOut">
               <a:rPr lang="zh-CN" altLang="en-US" smtClean="0"/>
-              <a:t>2021/2/25</a:t>
+              <a:t>2021/2/26</a:t>
             </a:fld>
             <a:endParaRPr lang="zh-CN" altLang="en-US"/>
           </a:p>
@@ -3084,7 +3084,7 @@
           <a:p>
             <a:fld id="{1355D31F-6343-45BE-BF09-235967A8B230}" type="datetimeFigureOut">
               <a:rPr lang="zh-CN" altLang="en-US" smtClean="0"/>
-              <a:t>2021/2/25</a:t>
+              <a:t>2021/2/26</a:t>
             </a:fld>
             <a:endParaRPr lang="zh-CN" altLang="en-US"/>
           </a:p>
@@ -3372,7 +3372,7 @@
           <a:p>
             <a:fld id="{1355D31F-6343-45BE-BF09-235967A8B230}" type="datetimeFigureOut">
               <a:rPr lang="zh-CN" altLang="en-US" smtClean="0"/>
-              <a:t>2021/2/25</a:t>
+              <a:t>2021/2/26</a:t>
             </a:fld>
             <a:endParaRPr lang="zh-CN" altLang="en-US"/>
           </a:p>
@@ -3613,7 +3613,7 @@
           <a:p>
             <a:fld id="{1355D31F-6343-45BE-BF09-235967A8B230}" type="datetimeFigureOut">
               <a:rPr lang="zh-CN" altLang="en-US" smtClean="0"/>
-              <a:t>2021/2/25</a:t>
+              <a:t>2021/2/26</a:t>
             </a:fld>
             <a:endParaRPr lang="zh-CN" altLang="en-US"/>
           </a:p>
@@ -5894,7 +5894,7 @@
         </p:nvSpPr>
         <p:spPr>
           <a:xfrm>
-            <a:off x="1283855" y="1585662"/>
+            <a:off x="1283855" y="1232204"/>
             <a:ext cx="4544291" cy="369332"/>
           </a:xfrm>
           <a:prstGeom prst="rect">
@@ -5934,7 +5934,7 @@
         </p:nvSpPr>
         <p:spPr>
           <a:xfrm>
-            <a:off x="1283855" y="3241964"/>
+            <a:off x="1283855" y="3368847"/>
             <a:ext cx="4812145" cy="369332"/>
           </a:xfrm>
           <a:prstGeom prst="rect">
@@ -5951,6 +5951,208 @@
             <a:r>
               <a:rPr lang="zh-CN" altLang="en-US" dirty="0"/>
               <a:t>二、端系统、应用程序和其他时延</a:t>
+            </a:r>
+          </a:p>
+        </p:txBody>
+      </p:sp>
+      <p:sp>
+        <p:nvSpPr>
+          <p:cNvPr id="5" name="文本框 4">
+            <a:extLst>
+              <a:ext uri="{FF2B5EF4-FFF2-40B4-BE49-F238E27FC236}">
+                <a16:creationId xmlns:a16="http://schemas.microsoft.com/office/drawing/2014/main" id="{BEF47FED-5BC4-4667-99EA-2035D45BC41A}"/>
+              </a:ext>
+            </a:extLst>
+          </p:cNvPr>
+          <p:cNvSpPr txBox="1"/>
+          <p:nvPr/>
+        </p:nvSpPr>
+        <p:spPr>
+          <a:xfrm>
+            <a:off x="1791855" y="3935830"/>
+            <a:ext cx="9596582" cy="1569660"/>
+          </a:xfrm>
+          <a:prstGeom prst="rect">
+            <a:avLst/>
+          </a:prstGeom>
+          <a:noFill/>
+        </p:spPr>
+        <p:txBody>
+          <a:bodyPr wrap="square" rtlCol="0">
+            <a:spAutoFit/>
+          </a:bodyPr>
+          <a:lstStyle/>
+          <a:p>
+            <a:r>
+              <a:rPr lang="zh-CN" altLang="en-US" sz="1600" dirty="0"/>
+              <a:t>除了处理时延、传输时延和传播时延，端系统中还有其他一些重要时延。例如，希望向共享媒体</a:t>
+            </a:r>
+            <a:r>
+              <a:rPr lang="en-US" altLang="zh-CN" sz="1600" dirty="0"/>
+              <a:t>(</a:t>
+            </a:r>
+            <a:r>
+              <a:rPr lang="zh-CN" altLang="en-US" sz="1600" dirty="0"/>
+              <a:t>例如在</a:t>
+            </a:r>
+            <a:r>
+              <a:rPr lang="en-US" altLang="zh-CN" sz="1600" dirty="0"/>
+              <a:t>WIFI</a:t>
+            </a:r>
+            <a:r>
+              <a:rPr lang="zh-CN" altLang="en-US" sz="1600" dirty="0"/>
+              <a:t>或电缆调制解调器情况下</a:t>
+            </a:r>
+            <a:r>
+              <a:rPr lang="en-US" altLang="zh-CN" sz="1600" dirty="0"/>
+              <a:t>)</a:t>
+            </a:r>
+            <a:r>
+              <a:rPr lang="zh-CN" altLang="en-US" sz="1600" dirty="0"/>
+              <a:t>传输分组的端系统可能</a:t>
+            </a:r>
+            <a:r>
+              <a:rPr lang="zh-CN" altLang="en-US" sz="1600" b="1" dirty="0"/>
+              <a:t>有意延迟</a:t>
+            </a:r>
+            <a:r>
+              <a:rPr lang="zh-CN" altLang="en-US" sz="1600" dirty="0"/>
+              <a:t>它的传输，把这作为与其他端系统共享媒体的</a:t>
+            </a:r>
+            <a:r>
+              <a:rPr lang="zh-CN" altLang="en-US" sz="1600" b="1" dirty="0"/>
+              <a:t>协议</a:t>
+            </a:r>
+            <a:r>
+              <a:rPr lang="zh-CN" altLang="en-US" sz="1600" dirty="0"/>
+              <a:t>的一部分；我们将在第六章详细的考虑这样的协议。另一个重要的时延是媒体分组话时延，这种时延出现在</a:t>
+            </a:r>
+            <a:r>
+              <a:rPr lang="en-US" altLang="zh-CN" sz="1600" dirty="0"/>
+              <a:t>IP</a:t>
+            </a:r>
+            <a:r>
+              <a:rPr lang="zh-CN" altLang="en-US" sz="1600" dirty="0"/>
+              <a:t>语音</a:t>
+            </a:r>
+            <a:r>
+              <a:rPr lang="en-US" altLang="zh-CN" sz="1600" dirty="0"/>
+              <a:t>(VoIP)</a:t>
+            </a:r>
+            <a:r>
+              <a:rPr lang="zh-CN" altLang="en-US" sz="1600" dirty="0"/>
+              <a:t>应用中。在</a:t>
+            </a:r>
+            <a:r>
+              <a:rPr lang="en-US" altLang="zh-CN" sz="1600" dirty="0"/>
+              <a:t>VoIP</a:t>
+            </a:r>
+            <a:r>
+              <a:rPr lang="zh-CN" altLang="en-US" sz="1600" dirty="0"/>
+              <a:t>中，发送方在向因特网传递分组之前必须首先用编码的数字化语音填充一个分组。这种填充一个分组的时间称为</a:t>
+            </a:r>
+            <a:r>
+              <a:rPr lang="zh-CN" altLang="en-US" sz="1600" b="1" dirty="0"/>
+              <a:t>分组化时延</a:t>
+            </a:r>
+            <a:r>
+              <a:rPr lang="zh-CN" altLang="en-US" sz="1600" dirty="0"/>
+              <a:t>，它可能比较大，并能影响用户感受到的</a:t>
+            </a:r>
+            <a:r>
+              <a:rPr lang="en-US" altLang="zh-CN" sz="1600" dirty="0"/>
+              <a:t>VoIP</a:t>
+            </a:r>
+            <a:r>
+              <a:rPr lang="zh-CN" altLang="en-US" sz="1600" dirty="0"/>
+              <a:t>呼呼叫的质量。这个问题将在本章结束的课后作业中进一步探讨</a:t>
+            </a:r>
+            <a:endParaRPr lang="en-US" altLang="zh-CN" sz="1600" dirty="0"/>
+          </a:p>
+        </p:txBody>
+      </p:sp>
+      <p:sp>
+        <p:nvSpPr>
+          <p:cNvPr id="6" name="文本框 5">
+            <a:extLst>
+              <a:ext uri="{FF2B5EF4-FFF2-40B4-BE49-F238E27FC236}">
+                <a16:creationId xmlns:a16="http://schemas.microsoft.com/office/drawing/2014/main" id="{BF217931-F501-4166-B15F-2657549251F0}"/>
+              </a:ext>
+            </a:extLst>
+          </p:cNvPr>
+          <p:cNvSpPr txBox="1"/>
+          <p:nvPr/>
+        </p:nvSpPr>
+        <p:spPr>
+          <a:xfrm>
+            <a:off x="1791855" y="1796383"/>
+            <a:ext cx="8931563" cy="1323439"/>
+          </a:xfrm>
+          <a:prstGeom prst="rect">
+            <a:avLst/>
+          </a:prstGeom>
+          <a:noFill/>
+        </p:spPr>
+        <p:txBody>
+          <a:bodyPr wrap="square" rtlCol="0">
+            <a:spAutoFit/>
+          </a:bodyPr>
+          <a:lstStyle/>
+          <a:p>
+            <a:r>
+              <a:rPr lang="en-US" altLang="zh-CN" sz="1600" dirty="0" err="1"/>
+              <a:t>Tracetoute</a:t>
+            </a:r>
+            <a:r>
+              <a:rPr lang="zh-CN" altLang="en-US" sz="1600" dirty="0"/>
+              <a:t>是一个简单的程序，它能够在任何因特网主机上运行。向目的地发送多个特殊的分组，这些分组向着目的地传送时，他们通过一系列路由器，当路由器接收到这些特殊分组之一时，它向源回送一个短报文。该短报文包括路由器的名字和地址。</a:t>
+            </a:r>
+            <a:endParaRPr lang="en-US" altLang="zh-CN" sz="1600" dirty="0"/>
+          </a:p>
+          <a:p>
+            <a:r>
+              <a:rPr lang="zh-CN" altLang="en-US" sz="1600" dirty="0"/>
+              <a:t>假定源和目的地之间有</a:t>
+            </a:r>
+            <a:r>
+              <a:rPr lang="en-US" altLang="zh-CN" sz="1600" dirty="0"/>
+              <a:t>N-1</a:t>
+            </a:r>
+            <a:r>
+              <a:rPr lang="zh-CN" altLang="en-US" sz="1600" dirty="0"/>
+              <a:t>台路由器，源发送</a:t>
+            </a:r>
+            <a:r>
+              <a:rPr lang="en-US" altLang="zh-CN" sz="1600" dirty="0"/>
+              <a:t>N</a:t>
+            </a:r>
+            <a:r>
+              <a:rPr lang="zh-CN" altLang="en-US" sz="1600" dirty="0"/>
+              <a:t>个分组。当第</a:t>
+            </a:r>
+            <a:r>
+              <a:rPr lang="en-US" altLang="zh-CN" sz="1600" dirty="0"/>
+              <a:t>n</a:t>
+            </a:r>
+            <a:r>
+              <a:rPr lang="zh-CN" altLang="en-US" sz="1600" dirty="0"/>
+              <a:t>台路由器接收到标示为</a:t>
+            </a:r>
+            <a:r>
+              <a:rPr lang="en-US" altLang="zh-CN" sz="1600" dirty="0"/>
+              <a:t>n</a:t>
+            </a:r>
+            <a:r>
+              <a:rPr lang="zh-CN" altLang="en-US" sz="1600" dirty="0"/>
+              <a:t>的第</a:t>
+            </a:r>
+            <a:r>
+              <a:rPr lang="en-US" altLang="zh-CN" sz="1600" dirty="0"/>
+              <a:t>n</a:t>
+            </a:r>
+            <a:r>
+              <a:rPr lang="zh-CN" altLang="en-US" sz="1600" dirty="0"/>
+              <a:t>个分组时，该路由器不是向目的地转发该分组，而是向源回送一个报文。</a:t>
             </a:r>
           </a:p>
         </p:txBody>
@@ -6017,6 +6219,41 @@
             <a:r>
               <a:rPr lang="zh-CN" altLang="en-US" sz="3600" b="1" dirty="0"/>
               <a:t>计算机网络中的吞吐量</a:t>
+            </a:r>
+          </a:p>
+        </p:txBody>
+      </p:sp>
+      <p:sp>
+        <p:nvSpPr>
+          <p:cNvPr id="3" name="文本框 2">
+            <a:extLst>
+              <a:ext uri="{FF2B5EF4-FFF2-40B4-BE49-F238E27FC236}">
+                <a16:creationId xmlns:a16="http://schemas.microsoft.com/office/drawing/2014/main" id="{B4BF7F94-3AF4-4DC2-BBB5-8B9B4FABCD13}"/>
+              </a:ext>
+            </a:extLst>
+          </p:cNvPr>
+          <p:cNvSpPr txBox="1"/>
+          <p:nvPr/>
+        </p:nvSpPr>
+        <p:spPr>
+          <a:xfrm>
+            <a:off x="1320800" y="1653309"/>
+            <a:ext cx="9264073" cy="707886"/>
+          </a:xfrm>
+          <a:prstGeom prst="rect">
+            <a:avLst/>
+          </a:prstGeom>
+          <a:noFill/>
+        </p:spPr>
+        <p:txBody>
+          <a:bodyPr wrap="square" rtlCol="0">
+            <a:spAutoFit/>
+          </a:bodyPr>
+          <a:lstStyle/>
+          <a:p>
+            <a:r>
+              <a:rPr lang="zh-CN" altLang="en-US" sz="4000" b="1" dirty="0"/>
+              <a:t>东西在这儿</a:t>
             </a:r>
           </a:p>
         </p:txBody>

--- a/计算机网络和因特网.pptx
+++ b/计算机网络和因特网.pptx
@@ -213,7 +213,7 @@
           <a:p>
             <a:fld id="{2EB67A18-87EE-4A95-914E-E3BB7ECA6B3F}" type="datetimeFigureOut">
               <a:rPr lang="zh-CN" altLang="en-US" smtClean="0"/>
-              <a:t>2021/2/26</a:t>
+              <a:t>2021/2/27</a:t>
             </a:fld>
             <a:endParaRPr lang="zh-CN" altLang="en-US"/>
           </a:p>
@@ -963,7 +963,7 @@
           <a:p>
             <a:fld id="{1355D31F-6343-45BE-BF09-235967A8B230}" type="datetimeFigureOut">
               <a:rPr lang="zh-CN" altLang="en-US" smtClean="0"/>
-              <a:t>2021/2/26</a:t>
+              <a:t>2021/2/27</a:t>
             </a:fld>
             <a:endParaRPr lang="zh-CN" altLang="en-US"/>
           </a:p>
@@ -1161,7 +1161,7 @@
           <a:p>
             <a:fld id="{1355D31F-6343-45BE-BF09-235967A8B230}" type="datetimeFigureOut">
               <a:rPr lang="zh-CN" altLang="en-US" smtClean="0"/>
-              <a:t>2021/2/26</a:t>
+              <a:t>2021/2/27</a:t>
             </a:fld>
             <a:endParaRPr lang="zh-CN" altLang="en-US"/>
           </a:p>
@@ -1369,7 +1369,7 @@
           <a:p>
             <a:fld id="{1355D31F-6343-45BE-BF09-235967A8B230}" type="datetimeFigureOut">
               <a:rPr lang="zh-CN" altLang="en-US" smtClean="0"/>
-              <a:t>2021/2/26</a:t>
+              <a:t>2021/2/27</a:t>
             </a:fld>
             <a:endParaRPr lang="zh-CN" altLang="en-US"/>
           </a:p>
@@ -1567,7 +1567,7 @@
           <a:p>
             <a:fld id="{1355D31F-6343-45BE-BF09-235967A8B230}" type="datetimeFigureOut">
               <a:rPr lang="zh-CN" altLang="en-US" smtClean="0"/>
-              <a:t>2021/2/26</a:t>
+              <a:t>2021/2/27</a:t>
             </a:fld>
             <a:endParaRPr lang="zh-CN" altLang="en-US"/>
           </a:p>
@@ -1842,7 +1842,7 @@
           <a:p>
             <a:fld id="{1355D31F-6343-45BE-BF09-235967A8B230}" type="datetimeFigureOut">
               <a:rPr lang="zh-CN" altLang="en-US" smtClean="0"/>
-              <a:t>2021/2/26</a:t>
+              <a:t>2021/2/27</a:t>
             </a:fld>
             <a:endParaRPr lang="zh-CN" altLang="en-US"/>
           </a:p>
@@ -2107,7 +2107,7 @@
           <a:p>
             <a:fld id="{1355D31F-6343-45BE-BF09-235967A8B230}" type="datetimeFigureOut">
               <a:rPr lang="zh-CN" altLang="en-US" smtClean="0"/>
-              <a:t>2021/2/26</a:t>
+              <a:t>2021/2/27</a:t>
             </a:fld>
             <a:endParaRPr lang="zh-CN" altLang="en-US"/>
           </a:p>
@@ -2519,7 +2519,7 @@
           <a:p>
             <a:fld id="{1355D31F-6343-45BE-BF09-235967A8B230}" type="datetimeFigureOut">
               <a:rPr lang="zh-CN" altLang="en-US" smtClean="0"/>
-              <a:t>2021/2/26</a:t>
+              <a:t>2021/2/27</a:t>
             </a:fld>
             <a:endParaRPr lang="zh-CN" altLang="en-US"/>
           </a:p>
@@ -2660,7 +2660,7 @@
           <a:p>
             <a:fld id="{1355D31F-6343-45BE-BF09-235967A8B230}" type="datetimeFigureOut">
               <a:rPr lang="zh-CN" altLang="en-US" smtClean="0"/>
-              <a:t>2021/2/26</a:t>
+              <a:t>2021/2/27</a:t>
             </a:fld>
             <a:endParaRPr lang="zh-CN" altLang="en-US"/>
           </a:p>
@@ -2773,7 +2773,7 @@
           <a:p>
             <a:fld id="{1355D31F-6343-45BE-BF09-235967A8B230}" type="datetimeFigureOut">
               <a:rPr lang="zh-CN" altLang="en-US" smtClean="0"/>
-              <a:t>2021/2/26</a:t>
+              <a:t>2021/2/27</a:t>
             </a:fld>
             <a:endParaRPr lang="zh-CN" altLang="en-US"/>
           </a:p>
@@ -3084,7 +3084,7 @@
           <a:p>
             <a:fld id="{1355D31F-6343-45BE-BF09-235967A8B230}" type="datetimeFigureOut">
               <a:rPr lang="zh-CN" altLang="en-US" smtClean="0"/>
-              <a:t>2021/2/26</a:t>
+              <a:t>2021/2/27</a:t>
             </a:fld>
             <a:endParaRPr lang="zh-CN" altLang="en-US"/>
           </a:p>
@@ -3372,7 +3372,7 @@
           <a:p>
             <a:fld id="{1355D31F-6343-45BE-BF09-235967A8B230}" type="datetimeFigureOut">
               <a:rPr lang="zh-CN" altLang="en-US" smtClean="0"/>
-              <a:t>2021/2/26</a:t>
+              <a:t>2021/2/27</a:t>
             </a:fld>
             <a:endParaRPr lang="zh-CN" altLang="en-US"/>
           </a:p>
@@ -3613,7 +3613,7 @@
           <a:p>
             <a:fld id="{1355D31F-6343-45BE-BF09-235967A8B230}" type="datetimeFigureOut">
               <a:rPr lang="zh-CN" altLang="en-US" smtClean="0"/>
-              <a:t>2021/2/26</a:t>
+              <a:t>2021/2/27</a:t>
             </a:fld>
             <a:endParaRPr lang="zh-CN" altLang="en-US"/>
           </a:p>
@@ -6253,8 +6253,48 @@
           <a:p>
             <a:r>
               <a:rPr lang="zh-CN" altLang="en-US" sz="4000" b="1" dirty="0"/>
-              <a:t>东西在这儿</a:t>
-            </a:r>
+              <a:t>东西在这儿，计算机网络中的吞吐量</a:t>
+            </a:r>
+          </a:p>
+        </p:txBody>
+      </p:sp>
+      <p:sp>
+        <p:nvSpPr>
+          <p:cNvPr id="4" name="文本框 3">
+            <a:extLst>
+              <a:ext uri="{FF2B5EF4-FFF2-40B4-BE49-F238E27FC236}">
+                <a16:creationId xmlns:a16="http://schemas.microsoft.com/office/drawing/2014/main" id="{9E2783A6-AC40-4CC2-8F42-D2BEFF0972D4}"/>
+              </a:ext>
+            </a:extLst>
+          </p:cNvPr>
+          <p:cNvSpPr txBox="1"/>
+          <p:nvPr/>
+        </p:nvSpPr>
+        <p:spPr>
+          <a:xfrm>
+            <a:off x="1422400" y="3084945"/>
+            <a:ext cx="8959273" cy="369332"/>
+          </a:xfrm>
+          <a:prstGeom prst="rect">
+            <a:avLst/>
+          </a:prstGeom>
+          <a:noFill/>
+        </p:spPr>
+        <p:txBody>
+          <a:bodyPr wrap="square" rtlCol="0">
+            <a:spAutoFit/>
+          </a:bodyPr>
+          <a:lstStyle/>
+          <a:p>
+            <a:r>
+              <a:rPr lang="en-US" altLang="zh-CN" dirty="0"/>
+              <a:t>2021.2.27</a:t>
+            </a:r>
+            <a:r>
+              <a:rPr lang="zh-CN" altLang="en-US"/>
+              <a:t>有事情暂时学习不了，在此上传，为了绿标</a:t>
+            </a:r>
+            <a:endParaRPr lang="zh-CN" altLang="en-US" dirty="0"/>
           </a:p>
         </p:txBody>
       </p:sp>

--- a/计算机网络和因特网.pptx
+++ b/计算机网络和因特网.pptx
@@ -5,7 +5,7 @@
     <p:sldMasterId id="2147483648" r:id="rId1"/>
   </p:sldMasterIdLst>
   <p:notesMasterIdLst>
-    <p:notesMasterId r:id="rId16"/>
+    <p:notesMasterId r:id="rId17"/>
   </p:notesMasterIdLst>
   <p:sldIdLst>
     <p:sldId id="256" r:id="rId2"/>
@@ -22,6 +22,7 @@
     <p:sldId id="267" r:id="rId13"/>
     <p:sldId id="268" r:id="rId14"/>
     <p:sldId id="269" r:id="rId15"/>
+    <p:sldId id="270" r:id="rId16"/>
   </p:sldIdLst>
   <p:sldSz cx="12192000" cy="6858000"/>
   <p:notesSz cx="6858000" cy="9144000"/>
@@ -6302,6 +6303,349 @@
     <p:extLst>
       <p:ext uri="{BB962C8B-B14F-4D97-AF65-F5344CB8AC3E}">
         <p14:creationId xmlns:p14="http://schemas.microsoft.com/office/powerpoint/2010/main" val="2083964384"/>
+      </p:ext>
+    </p:extLst>
+  </p:cSld>
+  <p:clrMapOvr>
+    <a:masterClrMapping/>
+  </p:clrMapOvr>
+</p:sld>
+</file>
+
+<file path=ppt/slides/slide15.xml><?xml version="1.0" encoding="utf-8"?>
+<p:sld xmlns:a="http://schemas.openxmlformats.org/drawingml/2006/main" xmlns:r="http://schemas.openxmlformats.org/officeDocument/2006/relationships" xmlns:p="http://schemas.openxmlformats.org/presentationml/2006/main">
+  <p:cSld>
+    <p:spTree>
+      <p:nvGrpSpPr>
+        <p:cNvPr id="1" name=""/>
+        <p:cNvGrpSpPr/>
+        <p:nvPr/>
+      </p:nvGrpSpPr>
+      <p:grpSpPr>
+        <a:xfrm>
+          <a:off x="0" y="0"/>
+          <a:ext cx="0" cy="0"/>
+          <a:chOff x="0" y="0"/>
+          <a:chExt cx="0" cy="0"/>
+        </a:xfrm>
+      </p:grpSpPr>
+      <p:sp>
+        <p:nvSpPr>
+          <p:cNvPr id="2" name="文本框 1">
+            <a:extLst>
+              <a:ext uri="{FF2B5EF4-FFF2-40B4-BE49-F238E27FC236}">
+                <a16:creationId xmlns:a16="http://schemas.microsoft.com/office/drawing/2014/main" id="{D18671F8-7B46-4EE3-B978-BDF35D0FEBBB}"/>
+              </a:ext>
+            </a:extLst>
+          </p:cNvPr>
+          <p:cNvSpPr txBox="1"/>
+          <p:nvPr/>
+        </p:nvSpPr>
+        <p:spPr>
+          <a:xfrm>
+            <a:off x="1034473" y="452582"/>
+            <a:ext cx="10123054" cy="584775"/>
+          </a:xfrm>
+          <a:prstGeom prst="rect">
+            <a:avLst/>
+          </a:prstGeom>
+          <a:noFill/>
+        </p:spPr>
+        <p:txBody>
+          <a:bodyPr wrap="square" rtlCol="0">
+            <a:spAutoFit/>
+          </a:bodyPr>
+          <a:lstStyle/>
+          <a:p>
+            <a:pPr algn="ctr"/>
+            <a:r>
+              <a:rPr lang="zh-CN" altLang="en-US" sz="3200" b="1" dirty="0"/>
+              <a:t>端到端的时延</a:t>
+            </a:r>
+          </a:p>
+        </p:txBody>
+      </p:sp>
+      <p:sp>
+        <p:nvSpPr>
+          <p:cNvPr id="3" name="文本框 2">
+            <a:extLst>
+              <a:ext uri="{FF2B5EF4-FFF2-40B4-BE49-F238E27FC236}">
+                <a16:creationId xmlns:a16="http://schemas.microsoft.com/office/drawing/2014/main" id="{48FFF5AD-A4E5-4F3E-80DA-898982FF8D85}"/>
+              </a:ext>
+            </a:extLst>
+          </p:cNvPr>
+          <p:cNvSpPr txBox="1"/>
+          <p:nvPr/>
+        </p:nvSpPr>
+        <p:spPr>
+          <a:xfrm>
+            <a:off x="1283855" y="1232204"/>
+            <a:ext cx="4544291" cy="369332"/>
+          </a:xfrm>
+          <a:prstGeom prst="rect">
+            <a:avLst/>
+          </a:prstGeom>
+          <a:noFill/>
+        </p:spPr>
+        <p:txBody>
+          <a:bodyPr wrap="square" rtlCol="0">
+            <a:spAutoFit/>
+          </a:bodyPr>
+          <a:lstStyle/>
+          <a:p>
+            <a:r>
+              <a:rPr lang="zh-CN" altLang="en-US" dirty="0"/>
+              <a:t>一、</a:t>
+            </a:r>
+            <a:r>
+              <a:rPr lang="en-US" altLang="zh-CN" dirty="0"/>
+              <a:t>Traceroute:</a:t>
+            </a:r>
+            <a:endParaRPr lang="zh-CN" altLang="en-US" dirty="0"/>
+          </a:p>
+        </p:txBody>
+      </p:sp>
+      <p:sp>
+        <p:nvSpPr>
+          <p:cNvPr id="4" name="文本框 3">
+            <a:extLst>
+              <a:ext uri="{FF2B5EF4-FFF2-40B4-BE49-F238E27FC236}">
+                <a16:creationId xmlns:a16="http://schemas.microsoft.com/office/drawing/2014/main" id="{A2BE0F17-080C-420C-A490-8AB0BBCECF74}"/>
+              </a:ext>
+            </a:extLst>
+          </p:cNvPr>
+          <p:cNvSpPr txBox="1"/>
+          <p:nvPr/>
+        </p:nvSpPr>
+        <p:spPr>
+          <a:xfrm>
+            <a:off x="1283855" y="3368847"/>
+            <a:ext cx="4812145" cy="369332"/>
+          </a:xfrm>
+          <a:prstGeom prst="rect">
+            <a:avLst/>
+          </a:prstGeom>
+          <a:noFill/>
+        </p:spPr>
+        <p:txBody>
+          <a:bodyPr wrap="square" rtlCol="0">
+            <a:spAutoFit/>
+          </a:bodyPr>
+          <a:lstStyle/>
+          <a:p>
+            <a:r>
+              <a:rPr lang="zh-CN" altLang="en-US" dirty="0"/>
+              <a:t>二、端系统、应用程序和其他时延</a:t>
+            </a:r>
+          </a:p>
+        </p:txBody>
+      </p:sp>
+      <p:sp>
+        <p:nvSpPr>
+          <p:cNvPr id="5" name="文本框 4">
+            <a:extLst>
+              <a:ext uri="{FF2B5EF4-FFF2-40B4-BE49-F238E27FC236}">
+                <a16:creationId xmlns:a16="http://schemas.microsoft.com/office/drawing/2014/main" id="{BEF47FED-5BC4-4667-99EA-2035D45BC41A}"/>
+              </a:ext>
+            </a:extLst>
+          </p:cNvPr>
+          <p:cNvSpPr txBox="1"/>
+          <p:nvPr/>
+        </p:nvSpPr>
+        <p:spPr>
+          <a:xfrm>
+            <a:off x="1791855" y="3935830"/>
+            <a:ext cx="9596582" cy="1569660"/>
+          </a:xfrm>
+          <a:prstGeom prst="rect">
+            <a:avLst/>
+          </a:prstGeom>
+          <a:noFill/>
+        </p:spPr>
+        <p:txBody>
+          <a:bodyPr wrap="square" rtlCol="0">
+            <a:spAutoFit/>
+          </a:bodyPr>
+          <a:lstStyle/>
+          <a:p>
+            <a:r>
+              <a:rPr lang="zh-CN" altLang="en-US" sz="1600" dirty="0"/>
+              <a:t>除了处理时延、传输时延和传播时延，端系统中还有其他一些重要时延。例如，希望向共享媒体</a:t>
+            </a:r>
+            <a:r>
+              <a:rPr lang="en-US" altLang="zh-CN" sz="1600" dirty="0"/>
+              <a:t>(</a:t>
+            </a:r>
+            <a:r>
+              <a:rPr lang="zh-CN" altLang="en-US" sz="1600" dirty="0"/>
+              <a:t>例如在</a:t>
+            </a:r>
+            <a:r>
+              <a:rPr lang="en-US" altLang="zh-CN" sz="1600" dirty="0"/>
+              <a:t>WIFI</a:t>
+            </a:r>
+            <a:r>
+              <a:rPr lang="zh-CN" altLang="en-US" sz="1600" dirty="0"/>
+              <a:t>或电缆调制解调器情况下</a:t>
+            </a:r>
+            <a:r>
+              <a:rPr lang="en-US" altLang="zh-CN" sz="1600" dirty="0"/>
+              <a:t>)</a:t>
+            </a:r>
+            <a:r>
+              <a:rPr lang="zh-CN" altLang="en-US" sz="1600" dirty="0"/>
+              <a:t>传输分组的端系统可能</a:t>
+            </a:r>
+            <a:r>
+              <a:rPr lang="zh-CN" altLang="en-US" sz="1600" b="1" dirty="0"/>
+              <a:t>有意延迟</a:t>
+            </a:r>
+            <a:r>
+              <a:rPr lang="zh-CN" altLang="en-US" sz="1600" dirty="0"/>
+              <a:t>它的传输，把这作为与其他端系统共享媒体的</a:t>
+            </a:r>
+            <a:r>
+              <a:rPr lang="zh-CN" altLang="en-US" sz="1600" b="1" dirty="0"/>
+              <a:t>协议</a:t>
+            </a:r>
+            <a:r>
+              <a:rPr lang="zh-CN" altLang="en-US" sz="1600" dirty="0"/>
+              <a:t>的一部分；我们将在第六章详细的考虑这样的协议。另一个重要的时延是媒体分组话时延，这种时延出现在</a:t>
+            </a:r>
+            <a:r>
+              <a:rPr lang="en-US" altLang="zh-CN" sz="1600" dirty="0"/>
+              <a:t>IP</a:t>
+            </a:r>
+            <a:r>
+              <a:rPr lang="zh-CN" altLang="en-US" sz="1600" dirty="0"/>
+              <a:t>语音</a:t>
+            </a:r>
+            <a:r>
+              <a:rPr lang="en-US" altLang="zh-CN" sz="1600" dirty="0"/>
+              <a:t>(VoIP)</a:t>
+            </a:r>
+            <a:r>
+              <a:rPr lang="zh-CN" altLang="en-US" sz="1600" dirty="0"/>
+              <a:t>应用中。在</a:t>
+            </a:r>
+            <a:r>
+              <a:rPr lang="en-US" altLang="zh-CN" sz="1600" dirty="0"/>
+              <a:t>VoIP</a:t>
+            </a:r>
+            <a:r>
+              <a:rPr lang="zh-CN" altLang="en-US" sz="1600" dirty="0"/>
+              <a:t>中，发送方在向因特网传递分组之前必须首先用编码的数字化语音填充一个分组。这种填充一个分组的时间称为</a:t>
+            </a:r>
+            <a:r>
+              <a:rPr lang="zh-CN" altLang="en-US" sz="1600" b="1" dirty="0"/>
+              <a:t>分组化时延</a:t>
+            </a:r>
+            <a:r>
+              <a:rPr lang="zh-CN" altLang="en-US" sz="1600" dirty="0"/>
+              <a:t>，它可能比较大，并能影响用户感受到的</a:t>
+            </a:r>
+            <a:r>
+              <a:rPr lang="en-US" altLang="zh-CN" sz="1600" dirty="0"/>
+              <a:t>VoIP</a:t>
+            </a:r>
+            <a:r>
+              <a:rPr lang="zh-CN" altLang="en-US" sz="1600" dirty="0"/>
+              <a:t>呼呼叫的质量。这个问题将在本章结束的课后作业中进一步探讨</a:t>
+            </a:r>
+            <a:endParaRPr lang="en-US" altLang="zh-CN" sz="1600" dirty="0"/>
+          </a:p>
+        </p:txBody>
+      </p:sp>
+      <p:sp>
+        <p:nvSpPr>
+          <p:cNvPr id="6" name="文本框 5">
+            <a:extLst>
+              <a:ext uri="{FF2B5EF4-FFF2-40B4-BE49-F238E27FC236}">
+                <a16:creationId xmlns:a16="http://schemas.microsoft.com/office/drawing/2014/main" id="{BF217931-F501-4166-B15F-2657549251F0}"/>
+              </a:ext>
+            </a:extLst>
+          </p:cNvPr>
+          <p:cNvSpPr txBox="1"/>
+          <p:nvPr/>
+        </p:nvSpPr>
+        <p:spPr>
+          <a:xfrm>
+            <a:off x="1791855" y="1796383"/>
+            <a:ext cx="8931563" cy="1323439"/>
+          </a:xfrm>
+          <a:prstGeom prst="rect">
+            <a:avLst/>
+          </a:prstGeom>
+          <a:noFill/>
+        </p:spPr>
+        <p:txBody>
+          <a:bodyPr wrap="square" rtlCol="0">
+            <a:spAutoFit/>
+          </a:bodyPr>
+          <a:lstStyle/>
+          <a:p>
+            <a:r>
+              <a:rPr lang="en-US" altLang="zh-CN" sz="1600" dirty="0" err="1"/>
+              <a:t>Tracetoute</a:t>
+            </a:r>
+            <a:r>
+              <a:rPr lang="zh-CN" altLang="en-US" sz="1600" dirty="0"/>
+              <a:t>是一个简单的程序，它能够在任何因特网主机上运行。向目的地发送多个特殊的分组，这些分组向着目的地传送时，他们通过一系列路由器，当路由器接收到这些特殊分组之一时，它向源回送一个短报文。该短报文包括路由器的名字和地址。</a:t>
+            </a:r>
+            <a:endParaRPr lang="en-US" altLang="zh-CN" sz="1600" dirty="0"/>
+          </a:p>
+          <a:p>
+            <a:r>
+              <a:rPr lang="zh-CN" altLang="en-US" sz="1600" dirty="0"/>
+              <a:t>假定源和目的地之间有</a:t>
+            </a:r>
+            <a:r>
+              <a:rPr lang="en-US" altLang="zh-CN" sz="1600" dirty="0"/>
+              <a:t>N-1</a:t>
+            </a:r>
+            <a:r>
+              <a:rPr lang="zh-CN" altLang="en-US" sz="1600" dirty="0"/>
+              <a:t>台路由器，源发送</a:t>
+            </a:r>
+            <a:r>
+              <a:rPr lang="en-US" altLang="zh-CN" sz="1600" dirty="0"/>
+              <a:t>N</a:t>
+            </a:r>
+            <a:r>
+              <a:rPr lang="zh-CN" altLang="en-US" sz="1600" dirty="0"/>
+              <a:t>个分组。当第</a:t>
+            </a:r>
+            <a:r>
+              <a:rPr lang="en-US" altLang="zh-CN" sz="1600" dirty="0"/>
+              <a:t>n</a:t>
+            </a:r>
+            <a:r>
+              <a:rPr lang="zh-CN" altLang="en-US" sz="1600" dirty="0"/>
+              <a:t>台路由器接收到标示为</a:t>
+            </a:r>
+            <a:r>
+              <a:rPr lang="en-US" altLang="zh-CN" sz="1600" dirty="0"/>
+              <a:t>n</a:t>
+            </a:r>
+            <a:r>
+              <a:rPr lang="zh-CN" altLang="en-US" sz="1600" dirty="0"/>
+              <a:t>的第</a:t>
+            </a:r>
+            <a:r>
+              <a:rPr lang="en-US" altLang="zh-CN" sz="1600" dirty="0"/>
+              <a:t>n</a:t>
+            </a:r>
+            <a:r>
+              <a:rPr lang="zh-CN" altLang="en-US" sz="1600" dirty="0"/>
+              <a:t>个分组时，该路由器不是向目的地转发该分组，而是向源回送一个报文。</a:t>
+            </a:r>
+          </a:p>
+        </p:txBody>
+      </p:sp>
+    </p:spTree>
+    <p:extLst>
+      <p:ext uri="{BB962C8B-B14F-4D97-AF65-F5344CB8AC3E}">
+        <p14:creationId xmlns:p14="http://schemas.microsoft.com/office/powerpoint/2010/main" val="3340987099"/>
       </p:ext>
     </p:extLst>
   </p:cSld>
